--- a/Seconde/Chapitre8-LentilleEtOeil/Activité-TracéDesRayons/Activité-TraceDesRayons2.pptx
+++ b/Seconde/Chapitre8-LentilleEtOeil/Activité-TracéDesRayons/Activité-TraceDesRayons2.pptx
@@ -6,8 +6,12 @@
   </p:sldMasterIdLst>
   <p:sldIdLst>
     <p:sldId id="256" r:id="rId2"/>
-    <p:sldId id="258" r:id="rId3"/>
-    <p:sldId id="257" r:id="rId4"/>
+    <p:sldId id="259" r:id="rId3"/>
+    <p:sldId id="260" r:id="rId4"/>
+    <p:sldId id="261" r:id="rId5"/>
+    <p:sldId id="262" r:id="rId6"/>
+    <p:sldId id="258" r:id="rId7"/>
+    <p:sldId id="257" r:id="rId8"/>
   </p:sldIdLst>
   <p:sldSz cx="12192000" cy="6858000"/>
   <p:notesSz cx="6858000" cy="9144000"/>
@@ -263,7 +267,7 @@
           <a:p>
             <a:fld id="{30F47439-A258-4A23-85FD-7826B78FC1E1}" type="datetimeFigureOut">
               <a:rPr lang="fr-FR" smtClean="0"/>
-              <a:t>23/02/2021</a:t>
+              <a:t>06/03/2021</a:t>
             </a:fld>
             <a:endParaRPr lang="fr-FR"/>
           </a:p>
@@ -463,7 +467,7 @@
           <a:p>
             <a:fld id="{30F47439-A258-4A23-85FD-7826B78FC1E1}" type="datetimeFigureOut">
               <a:rPr lang="fr-FR" smtClean="0"/>
-              <a:t>23/02/2021</a:t>
+              <a:t>06/03/2021</a:t>
             </a:fld>
             <a:endParaRPr lang="fr-FR"/>
           </a:p>
@@ -673,7 +677,7 @@
           <a:p>
             <a:fld id="{30F47439-A258-4A23-85FD-7826B78FC1E1}" type="datetimeFigureOut">
               <a:rPr lang="fr-FR" smtClean="0"/>
-              <a:t>23/02/2021</a:t>
+              <a:t>06/03/2021</a:t>
             </a:fld>
             <a:endParaRPr lang="fr-FR"/>
           </a:p>
@@ -873,7 +877,7 @@
           <a:p>
             <a:fld id="{30F47439-A258-4A23-85FD-7826B78FC1E1}" type="datetimeFigureOut">
               <a:rPr lang="fr-FR" smtClean="0"/>
-              <a:t>23/02/2021</a:t>
+              <a:t>06/03/2021</a:t>
             </a:fld>
             <a:endParaRPr lang="fr-FR"/>
           </a:p>
@@ -1149,7 +1153,7 @@
           <a:p>
             <a:fld id="{30F47439-A258-4A23-85FD-7826B78FC1E1}" type="datetimeFigureOut">
               <a:rPr lang="fr-FR" smtClean="0"/>
-              <a:t>23/02/2021</a:t>
+              <a:t>06/03/2021</a:t>
             </a:fld>
             <a:endParaRPr lang="fr-FR"/>
           </a:p>
@@ -1417,7 +1421,7 @@
           <a:p>
             <a:fld id="{30F47439-A258-4A23-85FD-7826B78FC1E1}" type="datetimeFigureOut">
               <a:rPr lang="fr-FR" smtClean="0"/>
-              <a:t>23/02/2021</a:t>
+              <a:t>06/03/2021</a:t>
             </a:fld>
             <a:endParaRPr lang="fr-FR"/>
           </a:p>
@@ -1832,7 +1836,7 @@
           <a:p>
             <a:fld id="{30F47439-A258-4A23-85FD-7826B78FC1E1}" type="datetimeFigureOut">
               <a:rPr lang="fr-FR" smtClean="0"/>
-              <a:t>23/02/2021</a:t>
+              <a:t>06/03/2021</a:t>
             </a:fld>
             <a:endParaRPr lang="fr-FR"/>
           </a:p>
@@ -1974,7 +1978,7 @@
           <a:p>
             <a:fld id="{30F47439-A258-4A23-85FD-7826B78FC1E1}" type="datetimeFigureOut">
               <a:rPr lang="fr-FR" smtClean="0"/>
-              <a:t>23/02/2021</a:t>
+              <a:t>06/03/2021</a:t>
             </a:fld>
             <a:endParaRPr lang="fr-FR"/>
           </a:p>
@@ -2087,7 +2091,7 @@
           <a:p>
             <a:fld id="{30F47439-A258-4A23-85FD-7826B78FC1E1}" type="datetimeFigureOut">
               <a:rPr lang="fr-FR" smtClean="0"/>
-              <a:t>23/02/2021</a:t>
+              <a:t>06/03/2021</a:t>
             </a:fld>
             <a:endParaRPr lang="fr-FR"/>
           </a:p>
@@ -2400,7 +2404,7 @@
           <a:p>
             <a:fld id="{30F47439-A258-4A23-85FD-7826B78FC1E1}" type="datetimeFigureOut">
               <a:rPr lang="fr-FR" smtClean="0"/>
-              <a:t>23/02/2021</a:t>
+              <a:t>06/03/2021</a:t>
             </a:fld>
             <a:endParaRPr lang="fr-FR"/>
           </a:p>
@@ -2689,7 +2693,7 @@
           <a:p>
             <a:fld id="{30F47439-A258-4A23-85FD-7826B78FC1E1}" type="datetimeFigureOut">
               <a:rPr lang="fr-FR" smtClean="0"/>
-              <a:t>23/02/2021</a:t>
+              <a:t>06/03/2021</a:t>
             </a:fld>
             <a:endParaRPr lang="fr-FR"/>
           </a:p>
@@ -2932,7 +2936,7 @@
           <a:p>
             <a:fld id="{30F47439-A258-4A23-85FD-7826B78FC1E1}" type="datetimeFigureOut">
               <a:rPr lang="fr-FR" smtClean="0"/>
-              <a:t>23/02/2021</a:t>
+              <a:t>06/03/2021</a:t>
             </a:fld>
             <a:endParaRPr lang="fr-FR"/>
           </a:p>
@@ -4554,6 +4558,3397 @@
           <p:cNvPr id="2" name="Picture 1">
             <a:extLst>
               <a:ext uri="{FF2B5EF4-FFF2-40B4-BE49-F238E27FC236}">
+                <a16:creationId xmlns:a16="http://schemas.microsoft.com/office/drawing/2014/main" id="{1352062B-4F24-43D7-8952-0AC70234C2B5}"/>
+              </a:ext>
+            </a:extLst>
+          </p:cNvPr>
+          <p:cNvPicPr>
+            <a:picLocks noChangeAspect="1"/>
+          </p:cNvPicPr>
+          <p:nvPr/>
+        </p:nvPicPr>
+        <p:blipFill>
+          <a:blip r:embed="rId2">
+            <a:alphaModFix amt="50000"/>
+            <a:extLst>
+              <a:ext uri="{BEBA8EAE-BF5A-486C-A8C5-ECC9F3942E4B}">
+                <a14:imgProps xmlns:a14="http://schemas.microsoft.com/office/drawing/2010/main">
+                  <a14:imgLayer r:embed="rId3">
+                    <a14:imgEffect>
+                      <a14:sharpenSoften amount="25000"/>
+                    </a14:imgEffect>
+                  </a14:imgLayer>
+                </a14:imgProps>
+              </a:ext>
+            </a:extLst>
+          </a:blip>
+          <a:stretch>
+            <a:fillRect/>
+          </a:stretch>
+        </p:blipFill>
+        <p:spPr>
+          <a:xfrm>
+            <a:off x="838849" y="564515"/>
+            <a:ext cx="10334625" cy="5505450"/>
+          </a:xfrm>
+          <a:prstGeom prst="rect">
+            <a:avLst/>
+          </a:prstGeom>
+        </p:spPr>
+      </p:pic>
+      <p:sp>
+        <p:nvSpPr>
+          <p:cNvPr id="3" name="TextBox 2">
+            <a:extLst>
+              <a:ext uri="{FF2B5EF4-FFF2-40B4-BE49-F238E27FC236}">
+                <a16:creationId xmlns:a16="http://schemas.microsoft.com/office/drawing/2014/main" id="{39F4B452-2B70-4A3E-9BBB-474694D24B55}"/>
+              </a:ext>
+            </a:extLst>
+          </p:cNvPr>
+          <p:cNvSpPr txBox="1"/>
+          <p:nvPr/>
+        </p:nvSpPr>
+        <p:spPr>
+          <a:xfrm>
+            <a:off x="4916209" y="3293327"/>
+            <a:ext cx="326897" cy="307777"/>
+          </a:xfrm>
+          <a:prstGeom prst="rect">
+            <a:avLst/>
+          </a:prstGeom>
+          <a:noFill/>
+        </p:spPr>
+        <p:txBody>
+          <a:bodyPr wrap="square" rtlCol="0">
+            <a:spAutoFit/>
+          </a:bodyPr>
+          <a:lstStyle/>
+          <a:p>
+            <a:r>
+              <a:rPr lang="fr-FR" sz="1400" dirty="0"/>
+              <a:t>F’</a:t>
+            </a:r>
+          </a:p>
+        </p:txBody>
+      </p:sp>
+      <p:cxnSp>
+        <p:nvCxnSpPr>
+          <p:cNvPr id="10" name="Straight Connector 9">
+            <a:extLst>
+              <a:ext uri="{FF2B5EF4-FFF2-40B4-BE49-F238E27FC236}">
+                <a16:creationId xmlns:a16="http://schemas.microsoft.com/office/drawing/2014/main" id="{3972B1F2-9E4B-4B6E-8217-20F174AADD5F}"/>
+              </a:ext>
+            </a:extLst>
+          </p:cNvPr>
+          <p:cNvCxnSpPr>
+            <a:cxnSpLocks/>
+          </p:cNvCxnSpPr>
+          <p:nvPr/>
+        </p:nvCxnSpPr>
+        <p:spPr>
+          <a:xfrm flipV="1">
+            <a:off x="2491682" y="2819718"/>
+            <a:ext cx="0" cy="540000"/>
+          </a:xfrm>
+          <a:prstGeom prst="line">
+            <a:avLst/>
+          </a:prstGeom>
+          <a:ln w="38100">
+            <a:solidFill>
+              <a:srgbClr val="00B050"/>
+            </a:solidFill>
+          </a:ln>
+        </p:spPr>
+        <p:style>
+          <a:lnRef idx="1">
+            <a:schemeClr val="accent1"/>
+          </a:lnRef>
+          <a:fillRef idx="0">
+            <a:schemeClr val="accent1"/>
+          </a:fillRef>
+          <a:effectRef idx="0">
+            <a:schemeClr val="accent1"/>
+          </a:effectRef>
+          <a:fontRef idx="minor">
+            <a:schemeClr val="tx1"/>
+          </a:fontRef>
+        </p:style>
+      </p:cxnSp>
+      <p:sp>
+        <p:nvSpPr>
+          <p:cNvPr id="11" name="Multiplication Sign 10">
+            <a:extLst>
+              <a:ext uri="{FF2B5EF4-FFF2-40B4-BE49-F238E27FC236}">
+                <a16:creationId xmlns:a16="http://schemas.microsoft.com/office/drawing/2014/main" id="{40F0960E-012E-48A9-AC78-87D4F4851B65}"/>
+              </a:ext>
+            </a:extLst>
+          </p:cNvPr>
+          <p:cNvSpPr/>
+          <p:nvPr/>
+        </p:nvSpPr>
+        <p:spPr>
+          <a:xfrm>
+            <a:off x="2426376" y="2745115"/>
+            <a:ext cx="120453" cy="142872"/>
+          </a:xfrm>
+          <a:prstGeom prst="mathMultiply">
+            <a:avLst>
+              <a:gd name="adj1" fmla="val 1529"/>
+            </a:avLst>
+          </a:prstGeom>
+          <a:solidFill>
+            <a:schemeClr val="tx1"/>
+          </a:solidFill>
+          <a:ln>
+            <a:solidFill>
+              <a:schemeClr val="tx1"/>
+            </a:solidFill>
+          </a:ln>
+        </p:spPr>
+        <p:style>
+          <a:lnRef idx="2">
+            <a:schemeClr val="accent1">
+              <a:shade val="50000"/>
+            </a:schemeClr>
+          </a:lnRef>
+          <a:fillRef idx="1">
+            <a:schemeClr val="accent1"/>
+          </a:fillRef>
+          <a:effectRef idx="0">
+            <a:schemeClr val="accent1"/>
+          </a:effectRef>
+          <a:fontRef idx="minor">
+            <a:schemeClr val="lt1"/>
+          </a:fontRef>
+        </p:style>
+        <p:txBody>
+          <a:bodyPr rtlCol="0" anchor="ctr"/>
+          <a:lstStyle/>
+          <a:p>
+            <a:pPr algn="ctr"/>
+            <a:endParaRPr lang="fr-FR"/>
+          </a:p>
+        </p:txBody>
+      </p:sp>
+      <p:cxnSp>
+        <p:nvCxnSpPr>
+          <p:cNvPr id="12" name="Straight Arrow Connector 11">
+            <a:extLst>
+              <a:ext uri="{FF2B5EF4-FFF2-40B4-BE49-F238E27FC236}">
+                <a16:creationId xmlns:a16="http://schemas.microsoft.com/office/drawing/2014/main" id="{A8408AD1-17D4-4E6D-A014-6AD7A5472233}"/>
+              </a:ext>
+            </a:extLst>
+          </p:cNvPr>
+          <p:cNvCxnSpPr>
+            <a:cxnSpLocks/>
+          </p:cNvCxnSpPr>
+          <p:nvPr/>
+        </p:nvCxnSpPr>
+        <p:spPr>
+          <a:xfrm>
+            <a:off x="4109359" y="1722120"/>
+            <a:ext cx="0" cy="3251200"/>
+          </a:xfrm>
+          <a:prstGeom prst="straightConnector1">
+            <a:avLst/>
+          </a:prstGeom>
+          <a:ln w="50800">
+            <a:headEnd type="triangle"/>
+            <a:tailEnd type="triangle"/>
+          </a:ln>
+        </p:spPr>
+        <p:style>
+          <a:lnRef idx="1">
+            <a:schemeClr val="accent1"/>
+          </a:lnRef>
+          <a:fillRef idx="0">
+            <a:schemeClr val="accent1"/>
+          </a:fillRef>
+          <a:effectRef idx="0">
+            <a:schemeClr val="accent1"/>
+          </a:effectRef>
+          <a:fontRef idx="minor">
+            <a:schemeClr val="tx1"/>
+          </a:fontRef>
+        </p:style>
+      </p:cxnSp>
+      <p:sp>
+        <p:nvSpPr>
+          <p:cNvPr id="14" name="TextBox 13">
+            <a:extLst>
+              <a:ext uri="{FF2B5EF4-FFF2-40B4-BE49-F238E27FC236}">
+                <a16:creationId xmlns:a16="http://schemas.microsoft.com/office/drawing/2014/main" id="{7A1B0778-093A-4C21-A77A-17D8097CAC30}"/>
+              </a:ext>
+            </a:extLst>
+          </p:cNvPr>
+          <p:cNvSpPr txBox="1"/>
+          <p:nvPr/>
+        </p:nvSpPr>
+        <p:spPr>
+          <a:xfrm>
+            <a:off x="2477110" y="2526675"/>
+            <a:ext cx="65877" cy="353943"/>
+          </a:xfrm>
+          <a:prstGeom prst="rect">
+            <a:avLst/>
+          </a:prstGeom>
+          <a:noFill/>
+        </p:spPr>
+        <p:txBody>
+          <a:bodyPr wrap="square" rtlCol="0">
+            <a:spAutoFit/>
+          </a:bodyPr>
+          <a:lstStyle/>
+          <a:p>
+            <a:r>
+              <a:rPr lang="fr-FR" sz="1700" b="1" dirty="0">
+                <a:solidFill>
+                  <a:srgbClr val="00B050"/>
+                </a:solidFill>
+              </a:rPr>
+              <a:t>B</a:t>
+            </a:r>
+          </a:p>
+        </p:txBody>
+      </p:sp>
+      <p:sp>
+        <p:nvSpPr>
+          <p:cNvPr id="15" name="Multiplication Sign 14">
+            <a:extLst>
+              <a:ext uri="{FF2B5EF4-FFF2-40B4-BE49-F238E27FC236}">
+                <a16:creationId xmlns:a16="http://schemas.microsoft.com/office/drawing/2014/main" id="{92B53285-2761-40C7-9082-A301640CB532}"/>
+              </a:ext>
+            </a:extLst>
+          </p:cNvPr>
+          <p:cNvSpPr/>
+          <p:nvPr/>
+        </p:nvSpPr>
+        <p:spPr>
+          <a:xfrm>
+            <a:off x="4002625" y="3252174"/>
+            <a:ext cx="196900" cy="211949"/>
+          </a:xfrm>
+          <a:prstGeom prst="mathMultiply">
+            <a:avLst>
+              <a:gd name="adj1" fmla="val 1529"/>
+            </a:avLst>
+          </a:prstGeom>
+          <a:solidFill>
+            <a:schemeClr val="tx1"/>
+          </a:solidFill>
+          <a:ln>
+            <a:solidFill>
+              <a:schemeClr val="tx1"/>
+            </a:solidFill>
+          </a:ln>
+        </p:spPr>
+        <p:style>
+          <a:lnRef idx="2">
+            <a:schemeClr val="accent1">
+              <a:shade val="50000"/>
+            </a:schemeClr>
+          </a:lnRef>
+          <a:fillRef idx="1">
+            <a:schemeClr val="accent1"/>
+          </a:fillRef>
+          <a:effectRef idx="0">
+            <a:schemeClr val="accent1"/>
+          </a:effectRef>
+          <a:fontRef idx="minor">
+            <a:schemeClr val="lt1"/>
+          </a:fontRef>
+        </p:style>
+        <p:txBody>
+          <a:bodyPr rtlCol="0" anchor="ctr"/>
+          <a:lstStyle/>
+          <a:p>
+            <a:pPr algn="ctr"/>
+            <a:endParaRPr lang="fr-FR"/>
+          </a:p>
+        </p:txBody>
+      </p:sp>
+      <p:sp>
+        <p:nvSpPr>
+          <p:cNvPr id="16" name="TextBox 15">
+            <a:extLst>
+              <a:ext uri="{FF2B5EF4-FFF2-40B4-BE49-F238E27FC236}">
+                <a16:creationId xmlns:a16="http://schemas.microsoft.com/office/drawing/2014/main" id="{3C800899-9652-4059-8C6E-295309893843}"/>
+              </a:ext>
+            </a:extLst>
+          </p:cNvPr>
+          <p:cNvSpPr txBox="1"/>
+          <p:nvPr/>
+        </p:nvSpPr>
+        <p:spPr>
+          <a:xfrm>
+            <a:off x="4146209" y="3293327"/>
+            <a:ext cx="45719" cy="307777"/>
+          </a:xfrm>
+          <a:prstGeom prst="rect">
+            <a:avLst/>
+          </a:prstGeom>
+          <a:noFill/>
+        </p:spPr>
+        <p:txBody>
+          <a:bodyPr wrap="square" rtlCol="0">
+            <a:spAutoFit/>
+          </a:bodyPr>
+          <a:lstStyle/>
+          <a:p>
+            <a:r>
+              <a:rPr lang="fr-FR" sz="1400" dirty="0"/>
+              <a:t>O</a:t>
+            </a:r>
+          </a:p>
+        </p:txBody>
+      </p:sp>
+      <p:sp>
+        <p:nvSpPr>
+          <p:cNvPr id="17" name="Multiplication Sign 16">
+            <a:extLst>
+              <a:ext uri="{FF2B5EF4-FFF2-40B4-BE49-F238E27FC236}">
+                <a16:creationId xmlns:a16="http://schemas.microsoft.com/office/drawing/2014/main" id="{ED1A3EBD-83F5-4607-BB7A-9F713A8DF81F}"/>
+              </a:ext>
+            </a:extLst>
+          </p:cNvPr>
+          <p:cNvSpPr/>
+          <p:nvPr/>
+        </p:nvSpPr>
+        <p:spPr>
+          <a:xfrm>
+            <a:off x="5087556" y="3250779"/>
+            <a:ext cx="196900" cy="211949"/>
+          </a:xfrm>
+          <a:prstGeom prst="mathMultiply">
+            <a:avLst>
+              <a:gd name="adj1" fmla="val 1529"/>
+            </a:avLst>
+          </a:prstGeom>
+          <a:solidFill>
+            <a:schemeClr val="tx1"/>
+          </a:solidFill>
+          <a:ln>
+            <a:solidFill>
+              <a:schemeClr val="tx1"/>
+            </a:solidFill>
+          </a:ln>
+        </p:spPr>
+        <p:style>
+          <a:lnRef idx="2">
+            <a:schemeClr val="accent1">
+              <a:shade val="50000"/>
+            </a:schemeClr>
+          </a:lnRef>
+          <a:fillRef idx="1">
+            <a:schemeClr val="accent1"/>
+          </a:fillRef>
+          <a:effectRef idx="0">
+            <a:schemeClr val="accent1"/>
+          </a:effectRef>
+          <a:fontRef idx="minor">
+            <a:schemeClr val="lt1"/>
+          </a:fontRef>
+        </p:style>
+        <p:txBody>
+          <a:bodyPr rtlCol="0" anchor="ctr"/>
+          <a:lstStyle/>
+          <a:p>
+            <a:pPr algn="ctr"/>
+            <a:endParaRPr lang="fr-FR"/>
+          </a:p>
+        </p:txBody>
+      </p:sp>
+      <p:sp>
+        <p:nvSpPr>
+          <p:cNvPr id="19" name="TextBox 18">
+            <a:extLst>
+              <a:ext uri="{FF2B5EF4-FFF2-40B4-BE49-F238E27FC236}">
+                <a16:creationId xmlns:a16="http://schemas.microsoft.com/office/drawing/2014/main" id="{8B385779-2F49-435A-8BC4-44EA3465CF9A}"/>
+              </a:ext>
+            </a:extLst>
+          </p:cNvPr>
+          <p:cNvSpPr txBox="1"/>
+          <p:nvPr/>
+        </p:nvSpPr>
+        <p:spPr>
+          <a:xfrm>
+            <a:off x="4008167" y="1444982"/>
+            <a:ext cx="2612233" cy="369332"/>
+          </a:xfrm>
+          <a:prstGeom prst="rect">
+            <a:avLst/>
+          </a:prstGeom>
+          <a:noFill/>
+        </p:spPr>
+        <p:txBody>
+          <a:bodyPr wrap="square" rtlCol="0">
+            <a:spAutoFit/>
+          </a:bodyPr>
+          <a:lstStyle/>
+          <a:p>
+            <a:r>
+              <a:rPr lang="fr-FR" b="1" dirty="0">
+                <a:solidFill>
+                  <a:srgbClr val="0070C0"/>
+                </a:solidFill>
+              </a:rPr>
+              <a:t>Lentille</a:t>
+            </a:r>
+          </a:p>
+        </p:txBody>
+      </p:sp>
+      <p:sp>
+        <p:nvSpPr>
+          <p:cNvPr id="20" name="Multiplication Sign 19">
+            <a:extLst>
+              <a:ext uri="{FF2B5EF4-FFF2-40B4-BE49-F238E27FC236}">
+                <a16:creationId xmlns:a16="http://schemas.microsoft.com/office/drawing/2014/main" id="{DD439864-5758-4AD6-BC65-516949E4222E}"/>
+              </a:ext>
+            </a:extLst>
+          </p:cNvPr>
+          <p:cNvSpPr/>
+          <p:nvPr/>
+        </p:nvSpPr>
+        <p:spPr>
+          <a:xfrm>
+            <a:off x="2922425" y="3250779"/>
+            <a:ext cx="196900" cy="211949"/>
+          </a:xfrm>
+          <a:prstGeom prst="mathMultiply">
+            <a:avLst>
+              <a:gd name="adj1" fmla="val 1529"/>
+            </a:avLst>
+          </a:prstGeom>
+          <a:solidFill>
+            <a:schemeClr val="tx1"/>
+          </a:solidFill>
+          <a:ln>
+            <a:solidFill>
+              <a:schemeClr val="tx1"/>
+            </a:solidFill>
+          </a:ln>
+        </p:spPr>
+        <p:style>
+          <a:lnRef idx="2">
+            <a:schemeClr val="accent1">
+              <a:shade val="50000"/>
+            </a:schemeClr>
+          </a:lnRef>
+          <a:fillRef idx="1">
+            <a:schemeClr val="accent1"/>
+          </a:fillRef>
+          <a:effectRef idx="0">
+            <a:schemeClr val="accent1"/>
+          </a:effectRef>
+          <a:fontRef idx="minor">
+            <a:schemeClr val="lt1"/>
+          </a:fontRef>
+        </p:style>
+        <p:txBody>
+          <a:bodyPr rtlCol="0" anchor="ctr"/>
+          <a:lstStyle/>
+          <a:p>
+            <a:pPr algn="ctr"/>
+            <a:endParaRPr lang="fr-FR"/>
+          </a:p>
+        </p:txBody>
+      </p:sp>
+      <p:sp>
+        <p:nvSpPr>
+          <p:cNvPr id="21" name="TextBox 20">
+            <a:extLst>
+              <a:ext uri="{FF2B5EF4-FFF2-40B4-BE49-F238E27FC236}">
+                <a16:creationId xmlns:a16="http://schemas.microsoft.com/office/drawing/2014/main" id="{C1CDE7D6-D8CC-4D2B-B664-4A31584591DB}"/>
+              </a:ext>
+            </a:extLst>
+          </p:cNvPr>
+          <p:cNvSpPr txBox="1"/>
+          <p:nvPr/>
+        </p:nvSpPr>
+        <p:spPr>
+          <a:xfrm>
+            <a:off x="2817004" y="3347720"/>
+            <a:ext cx="217699" cy="307777"/>
+          </a:xfrm>
+          <a:prstGeom prst="rect">
+            <a:avLst/>
+          </a:prstGeom>
+          <a:noFill/>
+        </p:spPr>
+        <p:txBody>
+          <a:bodyPr wrap="square" rtlCol="0">
+            <a:spAutoFit/>
+          </a:bodyPr>
+          <a:lstStyle/>
+          <a:p>
+            <a:r>
+              <a:rPr lang="fr-FR" sz="1400" dirty="0"/>
+              <a:t>F</a:t>
+            </a:r>
+          </a:p>
+        </p:txBody>
+      </p:sp>
+      <p:sp>
+        <p:nvSpPr>
+          <p:cNvPr id="25" name="Multiplication Sign 24">
+            <a:extLst>
+              <a:ext uri="{FF2B5EF4-FFF2-40B4-BE49-F238E27FC236}">
+                <a16:creationId xmlns:a16="http://schemas.microsoft.com/office/drawing/2014/main" id="{F8657D13-E016-4192-800E-5355D34B5599}"/>
+              </a:ext>
+            </a:extLst>
+          </p:cNvPr>
+          <p:cNvSpPr/>
+          <p:nvPr/>
+        </p:nvSpPr>
+        <p:spPr>
+          <a:xfrm>
+            <a:off x="2433888" y="3281564"/>
+            <a:ext cx="120453" cy="142872"/>
+          </a:xfrm>
+          <a:prstGeom prst="mathMultiply">
+            <a:avLst>
+              <a:gd name="adj1" fmla="val 1529"/>
+            </a:avLst>
+          </a:prstGeom>
+          <a:solidFill>
+            <a:schemeClr val="tx1"/>
+          </a:solidFill>
+          <a:ln>
+            <a:solidFill>
+              <a:schemeClr val="tx1"/>
+            </a:solidFill>
+          </a:ln>
+        </p:spPr>
+        <p:style>
+          <a:lnRef idx="2">
+            <a:schemeClr val="accent1">
+              <a:shade val="50000"/>
+            </a:schemeClr>
+          </a:lnRef>
+          <a:fillRef idx="1">
+            <a:schemeClr val="accent1"/>
+          </a:fillRef>
+          <a:effectRef idx="0">
+            <a:schemeClr val="accent1"/>
+          </a:effectRef>
+          <a:fontRef idx="minor">
+            <a:schemeClr val="lt1"/>
+          </a:fontRef>
+        </p:style>
+        <p:txBody>
+          <a:bodyPr rtlCol="0" anchor="ctr"/>
+          <a:lstStyle/>
+          <a:p>
+            <a:pPr algn="ctr"/>
+            <a:endParaRPr lang="fr-FR"/>
+          </a:p>
+        </p:txBody>
+      </p:sp>
+      <p:sp>
+        <p:nvSpPr>
+          <p:cNvPr id="26" name="TextBox 25">
+            <a:extLst>
+              <a:ext uri="{FF2B5EF4-FFF2-40B4-BE49-F238E27FC236}">
+                <a16:creationId xmlns:a16="http://schemas.microsoft.com/office/drawing/2014/main" id="{7AC1E584-41AC-46D9-9110-78BDC0F5D029}"/>
+              </a:ext>
+            </a:extLst>
+          </p:cNvPr>
+          <p:cNvSpPr txBox="1"/>
+          <p:nvPr/>
+        </p:nvSpPr>
+        <p:spPr>
+          <a:xfrm>
+            <a:off x="2524633" y="3053524"/>
+            <a:ext cx="55360" cy="353943"/>
+          </a:xfrm>
+          <a:prstGeom prst="rect">
+            <a:avLst/>
+          </a:prstGeom>
+          <a:noFill/>
+        </p:spPr>
+        <p:txBody>
+          <a:bodyPr wrap="square" rtlCol="0">
+            <a:spAutoFit/>
+          </a:bodyPr>
+          <a:lstStyle/>
+          <a:p>
+            <a:r>
+              <a:rPr lang="fr-FR" sz="1700" b="1" dirty="0">
+                <a:solidFill>
+                  <a:srgbClr val="00B050"/>
+                </a:solidFill>
+              </a:rPr>
+              <a:t>A</a:t>
+            </a:r>
+          </a:p>
+        </p:txBody>
+      </p:sp>
+      <p:cxnSp>
+        <p:nvCxnSpPr>
+          <p:cNvPr id="28" name="Straight Connector 27">
+            <a:extLst>
+              <a:ext uri="{FF2B5EF4-FFF2-40B4-BE49-F238E27FC236}">
+                <a16:creationId xmlns:a16="http://schemas.microsoft.com/office/drawing/2014/main" id="{FE58367B-5C62-4397-A8C8-5F5A793833F0}"/>
+              </a:ext>
+            </a:extLst>
+          </p:cNvPr>
+          <p:cNvCxnSpPr>
+            <a:cxnSpLocks/>
+          </p:cNvCxnSpPr>
+          <p:nvPr/>
+        </p:nvCxnSpPr>
+        <p:spPr>
+          <a:xfrm flipV="1">
+            <a:off x="1664942" y="2819718"/>
+            <a:ext cx="0" cy="540000"/>
+          </a:xfrm>
+          <a:prstGeom prst="line">
+            <a:avLst/>
+          </a:prstGeom>
+          <a:ln w="38100">
+            <a:solidFill>
+              <a:srgbClr val="00B050"/>
+            </a:solidFill>
+          </a:ln>
+        </p:spPr>
+        <p:style>
+          <a:lnRef idx="1">
+            <a:schemeClr val="accent1"/>
+          </a:lnRef>
+          <a:fillRef idx="0">
+            <a:schemeClr val="accent1"/>
+          </a:fillRef>
+          <a:effectRef idx="0">
+            <a:schemeClr val="accent1"/>
+          </a:effectRef>
+          <a:fontRef idx="minor">
+            <a:schemeClr val="tx1"/>
+          </a:fontRef>
+        </p:style>
+      </p:cxnSp>
+      <p:cxnSp>
+        <p:nvCxnSpPr>
+          <p:cNvPr id="29" name="Straight Connector 28">
+            <a:extLst>
+              <a:ext uri="{FF2B5EF4-FFF2-40B4-BE49-F238E27FC236}">
+                <a16:creationId xmlns:a16="http://schemas.microsoft.com/office/drawing/2014/main" id="{2F8A7E5D-2207-415D-969F-724D9FFA7A13}"/>
+              </a:ext>
+            </a:extLst>
+          </p:cNvPr>
+          <p:cNvCxnSpPr>
+            <a:cxnSpLocks/>
+          </p:cNvCxnSpPr>
+          <p:nvPr/>
+        </p:nvCxnSpPr>
+        <p:spPr>
+          <a:xfrm flipV="1">
+            <a:off x="1941349" y="2819718"/>
+            <a:ext cx="0" cy="540000"/>
+          </a:xfrm>
+          <a:prstGeom prst="line">
+            <a:avLst/>
+          </a:prstGeom>
+          <a:ln w="38100">
+            <a:solidFill>
+              <a:srgbClr val="00B050"/>
+            </a:solidFill>
+          </a:ln>
+        </p:spPr>
+        <p:style>
+          <a:lnRef idx="1">
+            <a:schemeClr val="accent1"/>
+          </a:lnRef>
+          <a:fillRef idx="0">
+            <a:schemeClr val="accent1"/>
+          </a:fillRef>
+          <a:effectRef idx="0">
+            <a:schemeClr val="accent1"/>
+          </a:effectRef>
+          <a:fontRef idx="minor">
+            <a:schemeClr val="tx1"/>
+          </a:fontRef>
+        </p:style>
+      </p:cxnSp>
+      <p:cxnSp>
+        <p:nvCxnSpPr>
+          <p:cNvPr id="30" name="Straight Connector 29">
+            <a:extLst>
+              <a:ext uri="{FF2B5EF4-FFF2-40B4-BE49-F238E27FC236}">
+                <a16:creationId xmlns:a16="http://schemas.microsoft.com/office/drawing/2014/main" id="{B2D62DA3-95DB-418C-A146-70F1A795527B}"/>
+              </a:ext>
+            </a:extLst>
+          </p:cNvPr>
+          <p:cNvCxnSpPr>
+            <a:cxnSpLocks/>
+          </p:cNvCxnSpPr>
+          <p:nvPr/>
+        </p:nvCxnSpPr>
+        <p:spPr>
+          <a:xfrm flipV="1">
+            <a:off x="2208049" y="2819718"/>
+            <a:ext cx="0" cy="540000"/>
+          </a:xfrm>
+          <a:prstGeom prst="line">
+            <a:avLst/>
+          </a:prstGeom>
+          <a:ln w="38100">
+            <a:solidFill>
+              <a:srgbClr val="00B050"/>
+            </a:solidFill>
+          </a:ln>
+        </p:spPr>
+        <p:style>
+          <a:lnRef idx="1">
+            <a:schemeClr val="accent1"/>
+          </a:lnRef>
+          <a:fillRef idx="0">
+            <a:schemeClr val="accent1"/>
+          </a:fillRef>
+          <a:effectRef idx="0">
+            <a:schemeClr val="accent1"/>
+          </a:effectRef>
+          <a:fontRef idx="minor">
+            <a:schemeClr val="tx1"/>
+          </a:fontRef>
+        </p:style>
+      </p:cxnSp>
+    </p:spTree>
+    <p:extLst>
+      <p:ext uri="{BB962C8B-B14F-4D97-AF65-F5344CB8AC3E}">
+        <p14:creationId xmlns:p14="http://schemas.microsoft.com/office/powerpoint/2010/main" val="3126066894"/>
+      </p:ext>
+    </p:extLst>
+  </p:cSld>
+  <p:clrMapOvr>
+    <a:masterClrMapping/>
+  </p:clrMapOvr>
+</p:sld>
+</file>
+
+<file path=ppt/slides/slide3.xml><?xml version="1.0" encoding="utf-8"?>
+<p:sld xmlns:a="http://schemas.openxmlformats.org/drawingml/2006/main" xmlns:r="http://schemas.openxmlformats.org/officeDocument/2006/relationships" xmlns:p="http://schemas.openxmlformats.org/presentationml/2006/main">
+  <p:cSld>
+    <p:spTree>
+      <p:nvGrpSpPr>
+        <p:cNvPr id="1" name=""/>
+        <p:cNvGrpSpPr/>
+        <p:nvPr/>
+      </p:nvGrpSpPr>
+      <p:grpSpPr>
+        <a:xfrm>
+          <a:off x="0" y="0"/>
+          <a:ext cx="0" cy="0"/>
+          <a:chOff x="0" y="0"/>
+          <a:chExt cx="0" cy="0"/>
+        </a:xfrm>
+      </p:grpSpPr>
+      <p:pic>
+        <p:nvPicPr>
+          <p:cNvPr id="2" name="Picture 1">
+            <a:extLst>
+              <a:ext uri="{FF2B5EF4-FFF2-40B4-BE49-F238E27FC236}">
+                <a16:creationId xmlns:a16="http://schemas.microsoft.com/office/drawing/2014/main" id="{1352062B-4F24-43D7-8952-0AC70234C2B5}"/>
+              </a:ext>
+            </a:extLst>
+          </p:cNvPr>
+          <p:cNvPicPr>
+            <a:picLocks noChangeAspect="1"/>
+          </p:cNvPicPr>
+          <p:nvPr/>
+        </p:nvPicPr>
+        <p:blipFill>
+          <a:blip r:embed="rId2">
+            <a:alphaModFix amt="50000"/>
+            <a:extLst>
+              <a:ext uri="{BEBA8EAE-BF5A-486C-A8C5-ECC9F3942E4B}">
+                <a14:imgProps xmlns:a14="http://schemas.microsoft.com/office/drawing/2010/main">
+                  <a14:imgLayer r:embed="rId3">
+                    <a14:imgEffect>
+                      <a14:sharpenSoften amount="25000"/>
+                    </a14:imgEffect>
+                  </a14:imgLayer>
+                </a14:imgProps>
+              </a:ext>
+            </a:extLst>
+          </a:blip>
+          <a:stretch>
+            <a:fillRect/>
+          </a:stretch>
+        </p:blipFill>
+        <p:spPr>
+          <a:xfrm>
+            <a:off x="838849" y="564515"/>
+            <a:ext cx="10334625" cy="5505450"/>
+          </a:xfrm>
+          <a:prstGeom prst="rect">
+            <a:avLst/>
+          </a:prstGeom>
+        </p:spPr>
+      </p:pic>
+      <p:sp>
+        <p:nvSpPr>
+          <p:cNvPr id="3" name="TextBox 2">
+            <a:extLst>
+              <a:ext uri="{FF2B5EF4-FFF2-40B4-BE49-F238E27FC236}">
+                <a16:creationId xmlns:a16="http://schemas.microsoft.com/office/drawing/2014/main" id="{39F4B452-2B70-4A3E-9BBB-474694D24B55}"/>
+              </a:ext>
+            </a:extLst>
+          </p:cNvPr>
+          <p:cNvSpPr txBox="1"/>
+          <p:nvPr/>
+        </p:nvSpPr>
+        <p:spPr>
+          <a:xfrm>
+            <a:off x="5423121" y="3322396"/>
+            <a:ext cx="326897" cy="307777"/>
+          </a:xfrm>
+          <a:prstGeom prst="rect">
+            <a:avLst/>
+          </a:prstGeom>
+          <a:noFill/>
+        </p:spPr>
+        <p:txBody>
+          <a:bodyPr wrap="square" rtlCol="0">
+            <a:spAutoFit/>
+          </a:bodyPr>
+          <a:lstStyle/>
+          <a:p>
+            <a:r>
+              <a:rPr lang="fr-FR" sz="1400" dirty="0"/>
+              <a:t>F’</a:t>
+            </a:r>
+          </a:p>
+        </p:txBody>
+      </p:sp>
+      <p:cxnSp>
+        <p:nvCxnSpPr>
+          <p:cNvPr id="10" name="Straight Connector 9">
+            <a:extLst>
+              <a:ext uri="{FF2B5EF4-FFF2-40B4-BE49-F238E27FC236}">
+                <a16:creationId xmlns:a16="http://schemas.microsoft.com/office/drawing/2014/main" id="{3972B1F2-9E4B-4B6E-8217-20F174AADD5F}"/>
+              </a:ext>
+            </a:extLst>
+          </p:cNvPr>
+          <p:cNvCxnSpPr>
+            <a:cxnSpLocks/>
+          </p:cNvCxnSpPr>
+          <p:nvPr/>
+        </p:nvCxnSpPr>
+        <p:spPr>
+          <a:xfrm>
+            <a:off x="2491682" y="3359718"/>
+            <a:ext cx="0" cy="526482"/>
+          </a:xfrm>
+          <a:prstGeom prst="line">
+            <a:avLst/>
+          </a:prstGeom>
+          <a:ln w="38100">
+            <a:solidFill>
+              <a:srgbClr val="00B050"/>
+            </a:solidFill>
+          </a:ln>
+        </p:spPr>
+        <p:style>
+          <a:lnRef idx="1">
+            <a:schemeClr val="accent1"/>
+          </a:lnRef>
+          <a:fillRef idx="0">
+            <a:schemeClr val="accent1"/>
+          </a:fillRef>
+          <a:effectRef idx="0">
+            <a:schemeClr val="accent1"/>
+          </a:effectRef>
+          <a:fontRef idx="minor">
+            <a:schemeClr val="tx1"/>
+          </a:fontRef>
+        </p:style>
+      </p:cxnSp>
+      <p:cxnSp>
+        <p:nvCxnSpPr>
+          <p:cNvPr id="12" name="Straight Arrow Connector 11">
+            <a:extLst>
+              <a:ext uri="{FF2B5EF4-FFF2-40B4-BE49-F238E27FC236}">
+                <a16:creationId xmlns:a16="http://schemas.microsoft.com/office/drawing/2014/main" id="{A8408AD1-17D4-4E6D-A014-6AD7A5472233}"/>
+              </a:ext>
+            </a:extLst>
+          </p:cNvPr>
+          <p:cNvCxnSpPr>
+            <a:cxnSpLocks/>
+          </p:cNvCxnSpPr>
+          <p:nvPr/>
+        </p:nvCxnSpPr>
+        <p:spPr>
+          <a:xfrm>
+            <a:off x="4109359" y="654050"/>
+            <a:ext cx="0" cy="5415915"/>
+          </a:xfrm>
+          <a:prstGeom prst="straightConnector1">
+            <a:avLst/>
+          </a:prstGeom>
+          <a:ln w="50800">
+            <a:headEnd type="triangle"/>
+            <a:tailEnd type="triangle"/>
+          </a:ln>
+        </p:spPr>
+        <p:style>
+          <a:lnRef idx="1">
+            <a:schemeClr val="accent1"/>
+          </a:lnRef>
+          <a:fillRef idx="0">
+            <a:schemeClr val="accent1"/>
+          </a:fillRef>
+          <a:effectRef idx="0">
+            <a:schemeClr val="accent1"/>
+          </a:effectRef>
+          <a:fontRef idx="minor">
+            <a:schemeClr val="tx1"/>
+          </a:fontRef>
+        </p:style>
+      </p:cxnSp>
+      <p:sp>
+        <p:nvSpPr>
+          <p:cNvPr id="14" name="TextBox 13">
+            <a:extLst>
+              <a:ext uri="{FF2B5EF4-FFF2-40B4-BE49-F238E27FC236}">
+                <a16:creationId xmlns:a16="http://schemas.microsoft.com/office/drawing/2014/main" id="{7A1B0778-093A-4C21-A77A-17D8097CAC30}"/>
+              </a:ext>
+            </a:extLst>
+          </p:cNvPr>
+          <p:cNvSpPr txBox="1"/>
+          <p:nvPr/>
+        </p:nvSpPr>
+        <p:spPr>
+          <a:xfrm>
+            <a:off x="2477110" y="3800904"/>
+            <a:ext cx="65877" cy="353943"/>
+          </a:xfrm>
+          <a:prstGeom prst="rect">
+            <a:avLst/>
+          </a:prstGeom>
+          <a:noFill/>
+        </p:spPr>
+        <p:txBody>
+          <a:bodyPr wrap="square" rtlCol="0">
+            <a:spAutoFit/>
+          </a:bodyPr>
+          <a:lstStyle/>
+          <a:p>
+            <a:r>
+              <a:rPr lang="fr-FR" sz="1700" b="1" dirty="0">
+                <a:solidFill>
+                  <a:srgbClr val="00B050"/>
+                </a:solidFill>
+              </a:rPr>
+              <a:t>B</a:t>
+            </a:r>
+          </a:p>
+        </p:txBody>
+      </p:sp>
+      <p:sp>
+        <p:nvSpPr>
+          <p:cNvPr id="15" name="Multiplication Sign 14">
+            <a:extLst>
+              <a:ext uri="{FF2B5EF4-FFF2-40B4-BE49-F238E27FC236}">
+                <a16:creationId xmlns:a16="http://schemas.microsoft.com/office/drawing/2014/main" id="{92B53285-2761-40C7-9082-A301640CB532}"/>
+              </a:ext>
+            </a:extLst>
+          </p:cNvPr>
+          <p:cNvSpPr/>
+          <p:nvPr/>
+        </p:nvSpPr>
+        <p:spPr>
+          <a:xfrm>
+            <a:off x="4002625" y="3252174"/>
+            <a:ext cx="196900" cy="211949"/>
+          </a:xfrm>
+          <a:prstGeom prst="mathMultiply">
+            <a:avLst>
+              <a:gd name="adj1" fmla="val 1529"/>
+            </a:avLst>
+          </a:prstGeom>
+          <a:solidFill>
+            <a:schemeClr val="tx1"/>
+          </a:solidFill>
+          <a:ln>
+            <a:solidFill>
+              <a:schemeClr val="tx1"/>
+            </a:solidFill>
+          </a:ln>
+        </p:spPr>
+        <p:style>
+          <a:lnRef idx="2">
+            <a:schemeClr val="accent1">
+              <a:shade val="50000"/>
+            </a:schemeClr>
+          </a:lnRef>
+          <a:fillRef idx="1">
+            <a:schemeClr val="accent1"/>
+          </a:fillRef>
+          <a:effectRef idx="0">
+            <a:schemeClr val="accent1"/>
+          </a:effectRef>
+          <a:fontRef idx="minor">
+            <a:schemeClr val="lt1"/>
+          </a:fontRef>
+        </p:style>
+        <p:txBody>
+          <a:bodyPr rtlCol="0" anchor="ctr"/>
+          <a:lstStyle/>
+          <a:p>
+            <a:pPr algn="ctr"/>
+            <a:endParaRPr lang="fr-FR"/>
+          </a:p>
+        </p:txBody>
+      </p:sp>
+      <p:sp>
+        <p:nvSpPr>
+          <p:cNvPr id="16" name="TextBox 15">
+            <a:extLst>
+              <a:ext uri="{FF2B5EF4-FFF2-40B4-BE49-F238E27FC236}">
+                <a16:creationId xmlns:a16="http://schemas.microsoft.com/office/drawing/2014/main" id="{3C800899-9652-4059-8C6E-295309893843}"/>
+              </a:ext>
+            </a:extLst>
+          </p:cNvPr>
+          <p:cNvSpPr txBox="1"/>
+          <p:nvPr/>
+        </p:nvSpPr>
+        <p:spPr>
+          <a:xfrm>
+            <a:off x="4146209" y="3293327"/>
+            <a:ext cx="45719" cy="307777"/>
+          </a:xfrm>
+          <a:prstGeom prst="rect">
+            <a:avLst/>
+          </a:prstGeom>
+          <a:noFill/>
+        </p:spPr>
+        <p:txBody>
+          <a:bodyPr wrap="square" rtlCol="0">
+            <a:spAutoFit/>
+          </a:bodyPr>
+          <a:lstStyle/>
+          <a:p>
+            <a:r>
+              <a:rPr lang="fr-FR" sz="1400" dirty="0"/>
+              <a:t>O</a:t>
+            </a:r>
+          </a:p>
+        </p:txBody>
+      </p:sp>
+      <p:sp>
+        <p:nvSpPr>
+          <p:cNvPr id="17" name="Multiplication Sign 16">
+            <a:extLst>
+              <a:ext uri="{FF2B5EF4-FFF2-40B4-BE49-F238E27FC236}">
+                <a16:creationId xmlns:a16="http://schemas.microsoft.com/office/drawing/2014/main" id="{ED1A3EBD-83F5-4607-BB7A-9F713A8DF81F}"/>
+              </a:ext>
+            </a:extLst>
+          </p:cNvPr>
+          <p:cNvSpPr/>
+          <p:nvPr/>
+        </p:nvSpPr>
+        <p:spPr>
+          <a:xfrm>
+            <a:off x="5347906" y="3250779"/>
+            <a:ext cx="196900" cy="211949"/>
+          </a:xfrm>
+          <a:prstGeom prst="mathMultiply">
+            <a:avLst>
+              <a:gd name="adj1" fmla="val 1529"/>
+            </a:avLst>
+          </a:prstGeom>
+          <a:solidFill>
+            <a:schemeClr val="tx1"/>
+          </a:solidFill>
+          <a:ln>
+            <a:solidFill>
+              <a:schemeClr val="tx1"/>
+            </a:solidFill>
+          </a:ln>
+        </p:spPr>
+        <p:style>
+          <a:lnRef idx="2">
+            <a:schemeClr val="accent1">
+              <a:shade val="50000"/>
+            </a:schemeClr>
+          </a:lnRef>
+          <a:fillRef idx="1">
+            <a:schemeClr val="accent1"/>
+          </a:fillRef>
+          <a:effectRef idx="0">
+            <a:schemeClr val="accent1"/>
+          </a:effectRef>
+          <a:fontRef idx="minor">
+            <a:schemeClr val="lt1"/>
+          </a:fontRef>
+        </p:style>
+        <p:txBody>
+          <a:bodyPr rtlCol="0" anchor="ctr"/>
+          <a:lstStyle/>
+          <a:p>
+            <a:pPr algn="ctr"/>
+            <a:endParaRPr lang="fr-FR"/>
+          </a:p>
+        </p:txBody>
+      </p:sp>
+      <p:sp>
+        <p:nvSpPr>
+          <p:cNvPr id="19" name="TextBox 18">
+            <a:extLst>
+              <a:ext uri="{FF2B5EF4-FFF2-40B4-BE49-F238E27FC236}">
+                <a16:creationId xmlns:a16="http://schemas.microsoft.com/office/drawing/2014/main" id="{8B385779-2F49-435A-8BC4-44EA3465CF9A}"/>
+              </a:ext>
+            </a:extLst>
+          </p:cNvPr>
+          <p:cNvSpPr txBox="1"/>
+          <p:nvPr/>
+        </p:nvSpPr>
+        <p:spPr>
+          <a:xfrm>
+            <a:off x="4097954" y="1410419"/>
+            <a:ext cx="2612233" cy="369332"/>
+          </a:xfrm>
+          <a:prstGeom prst="rect">
+            <a:avLst/>
+          </a:prstGeom>
+          <a:noFill/>
+        </p:spPr>
+        <p:txBody>
+          <a:bodyPr wrap="square" rtlCol="0">
+            <a:spAutoFit/>
+          </a:bodyPr>
+          <a:lstStyle/>
+          <a:p>
+            <a:r>
+              <a:rPr lang="fr-FR" b="1" dirty="0">
+                <a:solidFill>
+                  <a:srgbClr val="0070C0"/>
+                </a:solidFill>
+              </a:rPr>
+              <a:t>Lentille</a:t>
+            </a:r>
+          </a:p>
+        </p:txBody>
+      </p:sp>
+      <p:sp>
+        <p:nvSpPr>
+          <p:cNvPr id="20" name="Multiplication Sign 19">
+            <a:extLst>
+              <a:ext uri="{FF2B5EF4-FFF2-40B4-BE49-F238E27FC236}">
+                <a16:creationId xmlns:a16="http://schemas.microsoft.com/office/drawing/2014/main" id="{DD439864-5758-4AD6-BC65-516949E4222E}"/>
+              </a:ext>
+            </a:extLst>
+          </p:cNvPr>
+          <p:cNvSpPr/>
+          <p:nvPr/>
+        </p:nvSpPr>
+        <p:spPr>
+          <a:xfrm>
+            <a:off x="2659960" y="3250779"/>
+            <a:ext cx="196900" cy="211949"/>
+          </a:xfrm>
+          <a:prstGeom prst="mathMultiply">
+            <a:avLst>
+              <a:gd name="adj1" fmla="val 1529"/>
+            </a:avLst>
+          </a:prstGeom>
+          <a:solidFill>
+            <a:schemeClr val="tx1"/>
+          </a:solidFill>
+          <a:ln>
+            <a:solidFill>
+              <a:schemeClr val="tx1"/>
+            </a:solidFill>
+          </a:ln>
+        </p:spPr>
+        <p:style>
+          <a:lnRef idx="2">
+            <a:schemeClr val="accent1">
+              <a:shade val="50000"/>
+            </a:schemeClr>
+          </a:lnRef>
+          <a:fillRef idx="1">
+            <a:schemeClr val="accent1"/>
+          </a:fillRef>
+          <a:effectRef idx="0">
+            <a:schemeClr val="accent1"/>
+          </a:effectRef>
+          <a:fontRef idx="minor">
+            <a:schemeClr val="lt1"/>
+          </a:fontRef>
+        </p:style>
+        <p:txBody>
+          <a:bodyPr rtlCol="0" anchor="ctr"/>
+          <a:lstStyle/>
+          <a:p>
+            <a:pPr algn="ctr"/>
+            <a:endParaRPr lang="fr-FR"/>
+          </a:p>
+        </p:txBody>
+      </p:sp>
+      <p:sp>
+        <p:nvSpPr>
+          <p:cNvPr id="21" name="TextBox 20">
+            <a:extLst>
+              <a:ext uri="{FF2B5EF4-FFF2-40B4-BE49-F238E27FC236}">
+                <a16:creationId xmlns:a16="http://schemas.microsoft.com/office/drawing/2014/main" id="{C1CDE7D6-D8CC-4D2B-B664-4A31584591DB}"/>
+              </a:ext>
+            </a:extLst>
+          </p:cNvPr>
+          <p:cNvSpPr txBox="1"/>
+          <p:nvPr/>
+        </p:nvSpPr>
+        <p:spPr>
+          <a:xfrm>
+            <a:off x="2554537" y="3347720"/>
+            <a:ext cx="217699" cy="307777"/>
+          </a:xfrm>
+          <a:prstGeom prst="rect">
+            <a:avLst/>
+          </a:prstGeom>
+          <a:noFill/>
+        </p:spPr>
+        <p:txBody>
+          <a:bodyPr wrap="square" rtlCol="0">
+            <a:spAutoFit/>
+          </a:bodyPr>
+          <a:lstStyle/>
+          <a:p>
+            <a:r>
+              <a:rPr lang="fr-FR" sz="1400" dirty="0"/>
+              <a:t>F</a:t>
+            </a:r>
+          </a:p>
+        </p:txBody>
+      </p:sp>
+      <p:sp>
+        <p:nvSpPr>
+          <p:cNvPr id="25" name="Multiplication Sign 24">
+            <a:extLst>
+              <a:ext uri="{FF2B5EF4-FFF2-40B4-BE49-F238E27FC236}">
+                <a16:creationId xmlns:a16="http://schemas.microsoft.com/office/drawing/2014/main" id="{F8657D13-E016-4192-800E-5355D34B5599}"/>
+              </a:ext>
+            </a:extLst>
+          </p:cNvPr>
+          <p:cNvSpPr/>
+          <p:nvPr/>
+        </p:nvSpPr>
+        <p:spPr>
+          <a:xfrm>
+            <a:off x="2433888" y="3281564"/>
+            <a:ext cx="120453" cy="142872"/>
+          </a:xfrm>
+          <a:prstGeom prst="mathMultiply">
+            <a:avLst>
+              <a:gd name="adj1" fmla="val 1529"/>
+            </a:avLst>
+          </a:prstGeom>
+          <a:solidFill>
+            <a:schemeClr val="tx1"/>
+          </a:solidFill>
+          <a:ln>
+            <a:solidFill>
+              <a:schemeClr val="tx1"/>
+            </a:solidFill>
+          </a:ln>
+        </p:spPr>
+        <p:style>
+          <a:lnRef idx="2">
+            <a:schemeClr val="accent1">
+              <a:shade val="50000"/>
+            </a:schemeClr>
+          </a:lnRef>
+          <a:fillRef idx="1">
+            <a:schemeClr val="accent1"/>
+          </a:fillRef>
+          <a:effectRef idx="0">
+            <a:schemeClr val="accent1"/>
+          </a:effectRef>
+          <a:fontRef idx="minor">
+            <a:schemeClr val="lt1"/>
+          </a:fontRef>
+        </p:style>
+        <p:txBody>
+          <a:bodyPr rtlCol="0" anchor="ctr"/>
+          <a:lstStyle/>
+          <a:p>
+            <a:pPr algn="ctr"/>
+            <a:endParaRPr lang="fr-FR"/>
+          </a:p>
+        </p:txBody>
+      </p:sp>
+      <p:sp>
+        <p:nvSpPr>
+          <p:cNvPr id="26" name="TextBox 25">
+            <a:extLst>
+              <a:ext uri="{FF2B5EF4-FFF2-40B4-BE49-F238E27FC236}">
+                <a16:creationId xmlns:a16="http://schemas.microsoft.com/office/drawing/2014/main" id="{7AC1E584-41AC-46D9-9110-78BDC0F5D029}"/>
+              </a:ext>
+            </a:extLst>
+          </p:cNvPr>
+          <p:cNvSpPr txBox="1"/>
+          <p:nvPr/>
+        </p:nvSpPr>
+        <p:spPr>
+          <a:xfrm>
+            <a:off x="2480753" y="3050503"/>
+            <a:ext cx="55360" cy="353943"/>
+          </a:xfrm>
+          <a:prstGeom prst="rect">
+            <a:avLst/>
+          </a:prstGeom>
+          <a:noFill/>
+        </p:spPr>
+        <p:txBody>
+          <a:bodyPr wrap="square" rtlCol="0">
+            <a:spAutoFit/>
+          </a:bodyPr>
+          <a:lstStyle/>
+          <a:p>
+            <a:r>
+              <a:rPr lang="fr-FR" sz="1700" b="1" dirty="0">
+                <a:solidFill>
+                  <a:srgbClr val="00B050"/>
+                </a:solidFill>
+              </a:rPr>
+              <a:t>A</a:t>
+            </a:r>
+          </a:p>
+        </p:txBody>
+      </p:sp>
+      <p:cxnSp>
+        <p:nvCxnSpPr>
+          <p:cNvPr id="23" name="Straight Connector 22">
+            <a:extLst>
+              <a:ext uri="{FF2B5EF4-FFF2-40B4-BE49-F238E27FC236}">
+                <a16:creationId xmlns:a16="http://schemas.microsoft.com/office/drawing/2014/main" id="{6CEFE4CB-3B57-4F0C-8A21-2E34135460E2}"/>
+              </a:ext>
+            </a:extLst>
+          </p:cNvPr>
+          <p:cNvCxnSpPr>
+            <a:cxnSpLocks/>
+          </p:cNvCxnSpPr>
+          <p:nvPr/>
+        </p:nvCxnSpPr>
+        <p:spPr>
+          <a:xfrm>
+            <a:off x="2224982" y="3359718"/>
+            <a:ext cx="0" cy="526482"/>
+          </a:xfrm>
+          <a:prstGeom prst="line">
+            <a:avLst/>
+          </a:prstGeom>
+          <a:ln w="38100">
+            <a:solidFill>
+              <a:srgbClr val="FF0000"/>
+            </a:solidFill>
+          </a:ln>
+        </p:spPr>
+        <p:style>
+          <a:lnRef idx="1">
+            <a:schemeClr val="accent1"/>
+          </a:lnRef>
+          <a:fillRef idx="0">
+            <a:schemeClr val="accent1"/>
+          </a:fillRef>
+          <a:effectRef idx="0">
+            <a:schemeClr val="accent1"/>
+          </a:effectRef>
+          <a:fontRef idx="minor">
+            <a:schemeClr val="tx1"/>
+          </a:fontRef>
+        </p:style>
+      </p:cxnSp>
+      <p:sp>
+        <p:nvSpPr>
+          <p:cNvPr id="24" name="Multiplication Sign 23">
+            <a:extLst>
+              <a:ext uri="{FF2B5EF4-FFF2-40B4-BE49-F238E27FC236}">
+                <a16:creationId xmlns:a16="http://schemas.microsoft.com/office/drawing/2014/main" id="{050F3BE6-991D-47E2-A6D5-33BED433680D}"/>
+              </a:ext>
+            </a:extLst>
+          </p:cNvPr>
+          <p:cNvSpPr/>
+          <p:nvPr/>
+        </p:nvSpPr>
+        <p:spPr>
+          <a:xfrm>
+            <a:off x="2160838" y="3294264"/>
+            <a:ext cx="120453" cy="142872"/>
+          </a:xfrm>
+          <a:prstGeom prst="mathMultiply">
+            <a:avLst>
+              <a:gd name="adj1" fmla="val 1529"/>
+            </a:avLst>
+          </a:prstGeom>
+          <a:solidFill>
+            <a:schemeClr val="tx1"/>
+          </a:solidFill>
+          <a:ln>
+            <a:solidFill>
+              <a:schemeClr val="tx1"/>
+            </a:solidFill>
+          </a:ln>
+        </p:spPr>
+        <p:style>
+          <a:lnRef idx="2">
+            <a:schemeClr val="accent1">
+              <a:shade val="50000"/>
+            </a:schemeClr>
+          </a:lnRef>
+          <a:fillRef idx="1">
+            <a:schemeClr val="accent1"/>
+          </a:fillRef>
+          <a:effectRef idx="0">
+            <a:schemeClr val="accent1"/>
+          </a:effectRef>
+          <a:fontRef idx="minor">
+            <a:schemeClr val="lt1"/>
+          </a:fontRef>
+        </p:style>
+        <p:txBody>
+          <a:bodyPr rtlCol="0" anchor="ctr"/>
+          <a:lstStyle/>
+          <a:p>
+            <a:pPr algn="ctr"/>
+            <a:endParaRPr lang="fr-FR"/>
+          </a:p>
+        </p:txBody>
+      </p:sp>
+      <p:sp>
+        <p:nvSpPr>
+          <p:cNvPr id="27" name="Multiplication Sign 26">
+            <a:extLst>
+              <a:ext uri="{FF2B5EF4-FFF2-40B4-BE49-F238E27FC236}">
+                <a16:creationId xmlns:a16="http://schemas.microsoft.com/office/drawing/2014/main" id="{55030AE4-7860-4EDF-9352-893BB5848B1A}"/>
+              </a:ext>
+            </a:extLst>
+          </p:cNvPr>
+          <p:cNvSpPr/>
+          <p:nvPr/>
+        </p:nvSpPr>
+        <p:spPr>
+          <a:xfrm>
+            <a:off x="2160838" y="3821314"/>
+            <a:ext cx="120453" cy="142872"/>
+          </a:xfrm>
+          <a:prstGeom prst="mathMultiply">
+            <a:avLst>
+              <a:gd name="adj1" fmla="val 1529"/>
+            </a:avLst>
+          </a:prstGeom>
+          <a:solidFill>
+            <a:schemeClr val="tx1"/>
+          </a:solidFill>
+          <a:ln>
+            <a:solidFill>
+              <a:schemeClr val="tx1"/>
+            </a:solidFill>
+          </a:ln>
+        </p:spPr>
+        <p:style>
+          <a:lnRef idx="2">
+            <a:schemeClr val="accent1">
+              <a:shade val="50000"/>
+            </a:schemeClr>
+          </a:lnRef>
+          <a:fillRef idx="1">
+            <a:schemeClr val="accent1"/>
+          </a:fillRef>
+          <a:effectRef idx="0">
+            <a:schemeClr val="accent1"/>
+          </a:effectRef>
+          <a:fontRef idx="minor">
+            <a:schemeClr val="lt1"/>
+          </a:fontRef>
+        </p:style>
+        <p:txBody>
+          <a:bodyPr rtlCol="0" anchor="ctr"/>
+          <a:lstStyle/>
+          <a:p>
+            <a:pPr algn="ctr"/>
+            <a:endParaRPr lang="fr-FR"/>
+          </a:p>
+        </p:txBody>
+      </p:sp>
+      <p:sp>
+        <p:nvSpPr>
+          <p:cNvPr id="31" name="TextBox 30">
+            <a:extLst>
+              <a:ext uri="{FF2B5EF4-FFF2-40B4-BE49-F238E27FC236}">
+                <a16:creationId xmlns:a16="http://schemas.microsoft.com/office/drawing/2014/main" id="{F923AFDF-A4BE-488B-B9EF-45C346CF8E88}"/>
+              </a:ext>
+            </a:extLst>
+          </p:cNvPr>
+          <p:cNvSpPr txBox="1"/>
+          <p:nvPr/>
+        </p:nvSpPr>
+        <p:spPr>
+          <a:xfrm>
+            <a:off x="2207365" y="3050502"/>
+            <a:ext cx="55360" cy="353943"/>
+          </a:xfrm>
+          <a:prstGeom prst="rect">
+            <a:avLst/>
+          </a:prstGeom>
+          <a:noFill/>
+        </p:spPr>
+        <p:txBody>
+          <a:bodyPr wrap="square" rtlCol="0">
+            <a:spAutoFit/>
+          </a:bodyPr>
+          <a:lstStyle/>
+          <a:p>
+            <a:r>
+              <a:rPr lang="fr-FR" sz="1700" b="1" dirty="0">
+                <a:solidFill>
+                  <a:srgbClr val="FF0000"/>
+                </a:solidFill>
+              </a:rPr>
+              <a:t>C</a:t>
+            </a:r>
+          </a:p>
+        </p:txBody>
+      </p:sp>
+      <p:sp>
+        <p:nvSpPr>
+          <p:cNvPr id="32" name="TextBox 31">
+            <a:extLst>
+              <a:ext uri="{FF2B5EF4-FFF2-40B4-BE49-F238E27FC236}">
+                <a16:creationId xmlns:a16="http://schemas.microsoft.com/office/drawing/2014/main" id="{665CD89D-6681-47AE-A4EF-D5FBF68A97C0}"/>
+              </a:ext>
+            </a:extLst>
+          </p:cNvPr>
+          <p:cNvSpPr txBox="1"/>
+          <p:nvPr/>
+        </p:nvSpPr>
+        <p:spPr>
+          <a:xfrm>
+            <a:off x="1983872" y="3821314"/>
+            <a:ext cx="333683" cy="353943"/>
+          </a:xfrm>
+          <a:prstGeom prst="rect">
+            <a:avLst/>
+          </a:prstGeom>
+          <a:noFill/>
+        </p:spPr>
+        <p:txBody>
+          <a:bodyPr wrap="square" rtlCol="0">
+            <a:spAutoFit/>
+          </a:bodyPr>
+          <a:lstStyle/>
+          <a:p>
+            <a:r>
+              <a:rPr lang="fr-FR" sz="1700" b="1" dirty="0">
+                <a:solidFill>
+                  <a:srgbClr val="FF0000"/>
+                </a:solidFill>
+              </a:rPr>
+              <a:t>D</a:t>
+            </a:r>
+          </a:p>
+        </p:txBody>
+      </p:sp>
+      <p:sp>
+        <p:nvSpPr>
+          <p:cNvPr id="33" name="Multiplication Sign 32">
+            <a:extLst>
+              <a:ext uri="{FF2B5EF4-FFF2-40B4-BE49-F238E27FC236}">
+                <a16:creationId xmlns:a16="http://schemas.microsoft.com/office/drawing/2014/main" id="{96E33D2F-3772-4B65-9111-E96A912C8DDC}"/>
+              </a:ext>
+            </a:extLst>
+          </p:cNvPr>
+          <p:cNvSpPr/>
+          <p:nvPr/>
+        </p:nvSpPr>
+        <p:spPr>
+          <a:xfrm>
+            <a:off x="2427538" y="3825548"/>
+            <a:ext cx="120453" cy="142872"/>
+          </a:xfrm>
+          <a:prstGeom prst="mathMultiply">
+            <a:avLst>
+              <a:gd name="adj1" fmla="val 1529"/>
+            </a:avLst>
+          </a:prstGeom>
+          <a:solidFill>
+            <a:schemeClr val="tx1"/>
+          </a:solidFill>
+          <a:ln>
+            <a:solidFill>
+              <a:schemeClr val="tx1"/>
+            </a:solidFill>
+          </a:ln>
+        </p:spPr>
+        <p:style>
+          <a:lnRef idx="2">
+            <a:schemeClr val="accent1">
+              <a:shade val="50000"/>
+            </a:schemeClr>
+          </a:lnRef>
+          <a:fillRef idx="1">
+            <a:schemeClr val="accent1"/>
+          </a:fillRef>
+          <a:effectRef idx="0">
+            <a:schemeClr val="accent1"/>
+          </a:effectRef>
+          <a:fontRef idx="minor">
+            <a:schemeClr val="lt1"/>
+          </a:fontRef>
+        </p:style>
+        <p:txBody>
+          <a:bodyPr rtlCol="0" anchor="ctr"/>
+          <a:lstStyle/>
+          <a:p>
+            <a:pPr algn="ctr"/>
+            <a:endParaRPr lang="fr-FR"/>
+          </a:p>
+        </p:txBody>
+      </p:sp>
+      <p:cxnSp>
+        <p:nvCxnSpPr>
+          <p:cNvPr id="9" name="Straight Arrow Connector 8">
+            <a:extLst>
+              <a:ext uri="{FF2B5EF4-FFF2-40B4-BE49-F238E27FC236}">
+                <a16:creationId xmlns:a16="http://schemas.microsoft.com/office/drawing/2014/main" id="{15A0FCF8-E4D4-42B1-B498-E9DC88693D35}"/>
+              </a:ext>
+            </a:extLst>
+          </p:cNvPr>
+          <p:cNvCxnSpPr>
+            <a:cxnSpLocks/>
+          </p:cNvCxnSpPr>
+          <p:nvPr/>
+        </p:nvCxnSpPr>
+        <p:spPr>
+          <a:xfrm>
+            <a:off x="1665288" y="5519548"/>
+            <a:ext cx="287337" cy="0"/>
+          </a:xfrm>
+          <a:prstGeom prst="straightConnector1">
+            <a:avLst/>
+          </a:prstGeom>
+          <a:ln w="25400">
+            <a:solidFill>
+              <a:srgbClr val="FF0000"/>
+            </a:solidFill>
+            <a:headEnd type="triangle"/>
+            <a:tailEnd type="triangle"/>
+          </a:ln>
+        </p:spPr>
+        <p:style>
+          <a:lnRef idx="1">
+            <a:schemeClr val="accent1"/>
+          </a:lnRef>
+          <a:fillRef idx="0">
+            <a:schemeClr val="accent1"/>
+          </a:fillRef>
+          <a:effectRef idx="0">
+            <a:schemeClr val="accent1"/>
+          </a:effectRef>
+          <a:fontRef idx="minor">
+            <a:schemeClr val="tx1"/>
+          </a:fontRef>
+        </p:style>
+      </p:cxnSp>
+      <p:sp>
+        <p:nvSpPr>
+          <p:cNvPr id="35" name="TextBox 34">
+            <a:extLst>
+              <a:ext uri="{FF2B5EF4-FFF2-40B4-BE49-F238E27FC236}">
+                <a16:creationId xmlns:a16="http://schemas.microsoft.com/office/drawing/2014/main" id="{0A9F1D68-ADB2-4EAD-8A75-1606B87ED2B0}"/>
+              </a:ext>
+            </a:extLst>
+          </p:cNvPr>
+          <p:cNvSpPr txBox="1"/>
+          <p:nvPr/>
+        </p:nvSpPr>
+        <p:spPr>
+          <a:xfrm>
+            <a:off x="851361" y="5146635"/>
+            <a:ext cx="2618953" cy="923330"/>
+          </a:xfrm>
+          <a:prstGeom prst="rect">
+            <a:avLst/>
+          </a:prstGeom>
+          <a:solidFill>
+            <a:schemeClr val="bg1"/>
+          </a:solidFill>
+        </p:spPr>
+        <p:txBody>
+          <a:bodyPr wrap="square" rtlCol="0">
+            <a:spAutoFit/>
+          </a:bodyPr>
+          <a:lstStyle/>
+          <a:p>
+            <a:pPr algn="just"/>
+            <a:r>
+              <a:rPr lang="fr-FR" b="1" dirty="0"/>
+              <a:t>Echelle </a:t>
+            </a:r>
+            <a:r>
+              <a:rPr lang="fr-FR" dirty="0"/>
+              <a:t>:  0,5 cm sur la figure correspond à 2 cm en réalité</a:t>
+            </a:r>
+          </a:p>
+        </p:txBody>
+      </p:sp>
+      <p:cxnSp>
+        <p:nvCxnSpPr>
+          <p:cNvPr id="38" name="Straight Connector 37">
+            <a:extLst>
+              <a:ext uri="{FF2B5EF4-FFF2-40B4-BE49-F238E27FC236}">
+                <a16:creationId xmlns:a16="http://schemas.microsoft.com/office/drawing/2014/main" id="{FF1FB9DA-9145-4BA4-B63D-8C5E4C18B6B7}"/>
+              </a:ext>
+            </a:extLst>
+          </p:cNvPr>
+          <p:cNvCxnSpPr>
+            <a:cxnSpLocks/>
+          </p:cNvCxnSpPr>
+          <p:nvPr/>
+        </p:nvCxnSpPr>
+        <p:spPr>
+          <a:xfrm flipV="1">
+            <a:off x="879945" y="3356753"/>
+            <a:ext cx="10154500" cy="11857"/>
+          </a:xfrm>
+          <a:prstGeom prst="line">
+            <a:avLst/>
+          </a:prstGeom>
+          <a:ln w="34925">
+            <a:solidFill>
+              <a:schemeClr val="tx1"/>
+            </a:solidFill>
+            <a:prstDash val="dash"/>
+          </a:ln>
+        </p:spPr>
+        <p:style>
+          <a:lnRef idx="1">
+            <a:schemeClr val="accent1"/>
+          </a:lnRef>
+          <a:fillRef idx="0">
+            <a:schemeClr val="accent1"/>
+          </a:fillRef>
+          <a:effectRef idx="0">
+            <a:schemeClr val="accent1"/>
+          </a:effectRef>
+          <a:fontRef idx="minor">
+            <a:schemeClr val="tx1"/>
+          </a:fontRef>
+        </p:style>
+      </p:cxnSp>
+    </p:spTree>
+    <p:extLst>
+      <p:ext uri="{BB962C8B-B14F-4D97-AF65-F5344CB8AC3E}">
+        <p14:creationId xmlns:p14="http://schemas.microsoft.com/office/powerpoint/2010/main" val="3863201979"/>
+      </p:ext>
+    </p:extLst>
+  </p:cSld>
+  <p:clrMapOvr>
+    <a:masterClrMapping/>
+  </p:clrMapOvr>
+</p:sld>
+</file>
+
+<file path=ppt/slides/slide4.xml><?xml version="1.0" encoding="utf-8"?>
+<p:sld xmlns:a="http://schemas.openxmlformats.org/drawingml/2006/main" xmlns:r="http://schemas.openxmlformats.org/officeDocument/2006/relationships" xmlns:p="http://schemas.openxmlformats.org/presentationml/2006/main">
+  <p:cSld>
+    <p:spTree>
+      <p:nvGrpSpPr>
+        <p:cNvPr id="1" name=""/>
+        <p:cNvGrpSpPr/>
+        <p:nvPr/>
+      </p:nvGrpSpPr>
+      <p:grpSpPr>
+        <a:xfrm>
+          <a:off x="0" y="0"/>
+          <a:ext cx="0" cy="0"/>
+          <a:chOff x="0" y="0"/>
+          <a:chExt cx="0" cy="0"/>
+        </a:xfrm>
+      </p:grpSpPr>
+      <p:pic>
+        <p:nvPicPr>
+          <p:cNvPr id="2" name="Picture 1">
+            <a:extLst>
+              <a:ext uri="{FF2B5EF4-FFF2-40B4-BE49-F238E27FC236}">
+                <a16:creationId xmlns:a16="http://schemas.microsoft.com/office/drawing/2014/main" id="{1352062B-4F24-43D7-8952-0AC70234C2B5}"/>
+              </a:ext>
+            </a:extLst>
+          </p:cNvPr>
+          <p:cNvPicPr>
+            <a:picLocks noChangeAspect="1"/>
+          </p:cNvPicPr>
+          <p:nvPr/>
+        </p:nvPicPr>
+        <p:blipFill>
+          <a:blip r:embed="rId2">
+            <a:alphaModFix amt="50000"/>
+            <a:extLst>
+              <a:ext uri="{BEBA8EAE-BF5A-486C-A8C5-ECC9F3942E4B}">
+                <a14:imgProps xmlns:a14="http://schemas.microsoft.com/office/drawing/2010/main">
+                  <a14:imgLayer r:embed="rId3">
+                    <a14:imgEffect>
+                      <a14:sharpenSoften amount="25000"/>
+                    </a14:imgEffect>
+                  </a14:imgLayer>
+                </a14:imgProps>
+              </a:ext>
+            </a:extLst>
+          </a:blip>
+          <a:stretch>
+            <a:fillRect/>
+          </a:stretch>
+        </p:blipFill>
+        <p:spPr>
+          <a:xfrm>
+            <a:off x="838849" y="564515"/>
+            <a:ext cx="10334625" cy="5505450"/>
+          </a:xfrm>
+          <a:prstGeom prst="rect">
+            <a:avLst/>
+          </a:prstGeom>
+        </p:spPr>
+      </p:pic>
+      <p:sp>
+        <p:nvSpPr>
+          <p:cNvPr id="3" name="TextBox 2">
+            <a:extLst>
+              <a:ext uri="{FF2B5EF4-FFF2-40B4-BE49-F238E27FC236}">
+                <a16:creationId xmlns:a16="http://schemas.microsoft.com/office/drawing/2014/main" id="{39F4B452-2B70-4A3E-9BBB-474694D24B55}"/>
+              </a:ext>
+            </a:extLst>
+          </p:cNvPr>
+          <p:cNvSpPr txBox="1"/>
+          <p:nvPr/>
+        </p:nvSpPr>
+        <p:spPr>
+          <a:xfrm>
+            <a:off x="4916209" y="3293327"/>
+            <a:ext cx="326897" cy="307777"/>
+          </a:xfrm>
+          <a:prstGeom prst="rect">
+            <a:avLst/>
+          </a:prstGeom>
+          <a:noFill/>
+        </p:spPr>
+        <p:txBody>
+          <a:bodyPr wrap="square" rtlCol="0">
+            <a:spAutoFit/>
+          </a:bodyPr>
+          <a:lstStyle/>
+          <a:p>
+            <a:r>
+              <a:rPr lang="fr-FR" sz="1400" dirty="0"/>
+              <a:t>F’</a:t>
+            </a:r>
+          </a:p>
+        </p:txBody>
+      </p:sp>
+      <p:cxnSp>
+        <p:nvCxnSpPr>
+          <p:cNvPr id="10" name="Straight Connector 9">
+            <a:extLst>
+              <a:ext uri="{FF2B5EF4-FFF2-40B4-BE49-F238E27FC236}">
+                <a16:creationId xmlns:a16="http://schemas.microsoft.com/office/drawing/2014/main" id="{3972B1F2-9E4B-4B6E-8217-20F174AADD5F}"/>
+              </a:ext>
+            </a:extLst>
+          </p:cNvPr>
+          <p:cNvCxnSpPr>
+            <a:cxnSpLocks/>
+          </p:cNvCxnSpPr>
+          <p:nvPr/>
+        </p:nvCxnSpPr>
+        <p:spPr>
+          <a:xfrm flipV="1">
+            <a:off x="2491682" y="2819718"/>
+            <a:ext cx="0" cy="540000"/>
+          </a:xfrm>
+          <a:prstGeom prst="line">
+            <a:avLst/>
+          </a:prstGeom>
+          <a:ln w="38100">
+            <a:solidFill>
+              <a:srgbClr val="00B050"/>
+            </a:solidFill>
+          </a:ln>
+        </p:spPr>
+        <p:style>
+          <a:lnRef idx="1">
+            <a:schemeClr val="accent1"/>
+          </a:lnRef>
+          <a:fillRef idx="0">
+            <a:schemeClr val="accent1"/>
+          </a:fillRef>
+          <a:effectRef idx="0">
+            <a:schemeClr val="accent1"/>
+          </a:effectRef>
+          <a:fontRef idx="minor">
+            <a:schemeClr val="tx1"/>
+          </a:fontRef>
+        </p:style>
+      </p:cxnSp>
+      <p:sp>
+        <p:nvSpPr>
+          <p:cNvPr id="11" name="Multiplication Sign 10">
+            <a:extLst>
+              <a:ext uri="{FF2B5EF4-FFF2-40B4-BE49-F238E27FC236}">
+                <a16:creationId xmlns:a16="http://schemas.microsoft.com/office/drawing/2014/main" id="{40F0960E-012E-48A9-AC78-87D4F4851B65}"/>
+              </a:ext>
+            </a:extLst>
+          </p:cNvPr>
+          <p:cNvSpPr/>
+          <p:nvPr/>
+        </p:nvSpPr>
+        <p:spPr>
+          <a:xfrm>
+            <a:off x="2426376" y="2745115"/>
+            <a:ext cx="120453" cy="142872"/>
+          </a:xfrm>
+          <a:prstGeom prst="mathMultiply">
+            <a:avLst>
+              <a:gd name="adj1" fmla="val 1529"/>
+            </a:avLst>
+          </a:prstGeom>
+          <a:solidFill>
+            <a:schemeClr val="tx1"/>
+          </a:solidFill>
+          <a:ln>
+            <a:solidFill>
+              <a:schemeClr val="tx1"/>
+            </a:solidFill>
+          </a:ln>
+        </p:spPr>
+        <p:style>
+          <a:lnRef idx="2">
+            <a:schemeClr val="accent1">
+              <a:shade val="50000"/>
+            </a:schemeClr>
+          </a:lnRef>
+          <a:fillRef idx="1">
+            <a:schemeClr val="accent1"/>
+          </a:fillRef>
+          <a:effectRef idx="0">
+            <a:schemeClr val="accent1"/>
+          </a:effectRef>
+          <a:fontRef idx="minor">
+            <a:schemeClr val="lt1"/>
+          </a:fontRef>
+        </p:style>
+        <p:txBody>
+          <a:bodyPr rtlCol="0" anchor="ctr"/>
+          <a:lstStyle/>
+          <a:p>
+            <a:pPr algn="ctr"/>
+            <a:endParaRPr lang="fr-FR"/>
+          </a:p>
+        </p:txBody>
+      </p:sp>
+      <p:cxnSp>
+        <p:nvCxnSpPr>
+          <p:cNvPr id="12" name="Straight Arrow Connector 11">
+            <a:extLst>
+              <a:ext uri="{FF2B5EF4-FFF2-40B4-BE49-F238E27FC236}">
+                <a16:creationId xmlns:a16="http://schemas.microsoft.com/office/drawing/2014/main" id="{A8408AD1-17D4-4E6D-A014-6AD7A5472233}"/>
+              </a:ext>
+            </a:extLst>
+          </p:cNvPr>
+          <p:cNvCxnSpPr>
+            <a:cxnSpLocks/>
+          </p:cNvCxnSpPr>
+          <p:nvPr/>
+        </p:nvCxnSpPr>
+        <p:spPr>
+          <a:xfrm>
+            <a:off x="4109359" y="1722120"/>
+            <a:ext cx="0" cy="3251200"/>
+          </a:xfrm>
+          <a:prstGeom prst="straightConnector1">
+            <a:avLst/>
+          </a:prstGeom>
+          <a:ln w="50800">
+            <a:headEnd type="triangle"/>
+            <a:tailEnd type="triangle"/>
+          </a:ln>
+        </p:spPr>
+        <p:style>
+          <a:lnRef idx="1">
+            <a:schemeClr val="accent1"/>
+          </a:lnRef>
+          <a:fillRef idx="0">
+            <a:schemeClr val="accent1"/>
+          </a:fillRef>
+          <a:effectRef idx="0">
+            <a:schemeClr val="accent1"/>
+          </a:effectRef>
+          <a:fontRef idx="minor">
+            <a:schemeClr val="tx1"/>
+          </a:fontRef>
+        </p:style>
+      </p:cxnSp>
+      <p:sp>
+        <p:nvSpPr>
+          <p:cNvPr id="14" name="TextBox 13">
+            <a:extLst>
+              <a:ext uri="{FF2B5EF4-FFF2-40B4-BE49-F238E27FC236}">
+                <a16:creationId xmlns:a16="http://schemas.microsoft.com/office/drawing/2014/main" id="{7A1B0778-093A-4C21-A77A-17D8097CAC30}"/>
+              </a:ext>
+            </a:extLst>
+          </p:cNvPr>
+          <p:cNvSpPr txBox="1"/>
+          <p:nvPr/>
+        </p:nvSpPr>
+        <p:spPr>
+          <a:xfrm>
+            <a:off x="2477110" y="2526675"/>
+            <a:ext cx="65877" cy="353943"/>
+          </a:xfrm>
+          <a:prstGeom prst="rect">
+            <a:avLst/>
+          </a:prstGeom>
+          <a:noFill/>
+        </p:spPr>
+        <p:txBody>
+          <a:bodyPr wrap="square" rtlCol="0">
+            <a:spAutoFit/>
+          </a:bodyPr>
+          <a:lstStyle/>
+          <a:p>
+            <a:r>
+              <a:rPr lang="fr-FR" sz="1700" b="1" dirty="0">
+                <a:solidFill>
+                  <a:srgbClr val="00B050"/>
+                </a:solidFill>
+              </a:rPr>
+              <a:t>B</a:t>
+            </a:r>
+          </a:p>
+        </p:txBody>
+      </p:sp>
+      <p:sp>
+        <p:nvSpPr>
+          <p:cNvPr id="15" name="Multiplication Sign 14">
+            <a:extLst>
+              <a:ext uri="{FF2B5EF4-FFF2-40B4-BE49-F238E27FC236}">
+                <a16:creationId xmlns:a16="http://schemas.microsoft.com/office/drawing/2014/main" id="{92B53285-2761-40C7-9082-A301640CB532}"/>
+              </a:ext>
+            </a:extLst>
+          </p:cNvPr>
+          <p:cNvSpPr/>
+          <p:nvPr/>
+        </p:nvSpPr>
+        <p:spPr>
+          <a:xfrm>
+            <a:off x="4002625" y="3252174"/>
+            <a:ext cx="196900" cy="211949"/>
+          </a:xfrm>
+          <a:prstGeom prst="mathMultiply">
+            <a:avLst>
+              <a:gd name="adj1" fmla="val 1529"/>
+            </a:avLst>
+          </a:prstGeom>
+          <a:solidFill>
+            <a:schemeClr val="tx1"/>
+          </a:solidFill>
+          <a:ln>
+            <a:solidFill>
+              <a:schemeClr val="tx1"/>
+            </a:solidFill>
+          </a:ln>
+        </p:spPr>
+        <p:style>
+          <a:lnRef idx="2">
+            <a:schemeClr val="accent1">
+              <a:shade val="50000"/>
+            </a:schemeClr>
+          </a:lnRef>
+          <a:fillRef idx="1">
+            <a:schemeClr val="accent1"/>
+          </a:fillRef>
+          <a:effectRef idx="0">
+            <a:schemeClr val="accent1"/>
+          </a:effectRef>
+          <a:fontRef idx="minor">
+            <a:schemeClr val="lt1"/>
+          </a:fontRef>
+        </p:style>
+        <p:txBody>
+          <a:bodyPr rtlCol="0" anchor="ctr"/>
+          <a:lstStyle/>
+          <a:p>
+            <a:pPr algn="ctr"/>
+            <a:endParaRPr lang="fr-FR"/>
+          </a:p>
+        </p:txBody>
+      </p:sp>
+      <p:sp>
+        <p:nvSpPr>
+          <p:cNvPr id="16" name="TextBox 15">
+            <a:extLst>
+              <a:ext uri="{FF2B5EF4-FFF2-40B4-BE49-F238E27FC236}">
+                <a16:creationId xmlns:a16="http://schemas.microsoft.com/office/drawing/2014/main" id="{3C800899-9652-4059-8C6E-295309893843}"/>
+              </a:ext>
+            </a:extLst>
+          </p:cNvPr>
+          <p:cNvSpPr txBox="1"/>
+          <p:nvPr/>
+        </p:nvSpPr>
+        <p:spPr>
+          <a:xfrm>
+            <a:off x="4146209" y="3293327"/>
+            <a:ext cx="45719" cy="307777"/>
+          </a:xfrm>
+          <a:prstGeom prst="rect">
+            <a:avLst/>
+          </a:prstGeom>
+          <a:noFill/>
+        </p:spPr>
+        <p:txBody>
+          <a:bodyPr wrap="square" rtlCol="0">
+            <a:spAutoFit/>
+          </a:bodyPr>
+          <a:lstStyle/>
+          <a:p>
+            <a:r>
+              <a:rPr lang="fr-FR" sz="1400" dirty="0"/>
+              <a:t>O</a:t>
+            </a:r>
+          </a:p>
+        </p:txBody>
+      </p:sp>
+      <p:sp>
+        <p:nvSpPr>
+          <p:cNvPr id="17" name="Multiplication Sign 16">
+            <a:extLst>
+              <a:ext uri="{FF2B5EF4-FFF2-40B4-BE49-F238E27FC236}">
+                <a16:creationId xmlns:a16="http://schemas.microsoft.com/office/drawing/2014/main" id="{ED1A3EBD-83F5-4607-BB7A-9F713A8DF81F}"/>
+              </a:ext>
+            </a:extLst>
+          </p:cNvPr>
+          <p:cNvSpPr/>
+          <p:nvPr/>
+        </p:nvSpPr>
+        <p:spPr>
+          <a:xfrm>
+            <a:off x="5087556" y="3250779"/>
+            <a:ext cx="196900" cy="211949"/>
+          </a:xfrm>
+          <a:prstGeom prst="mathMultiply">
+            <a:avLst>
+              <a:gd name="adj1" fmla="val 1529"/>
+            </a:avLst>
+          </a:prstGeom>
+          <a:solidFill>
+            <a:schemeClr val="tx1"/>
+          </a:solidFill>
+          <a:ln>
+            <a:solidFill>
+              <a:schemeClr val="tx1"/>
+            </a:solidFill>
+          </a:ln>
+        </p:spPr>
+        <p:style>
+          <a:lnRef idx="2">
+            <a:schemeClr val="accent1">
+              <a:shade val="50000"/>
+            </a:schemeClr>
+          </a:lnRef>
+          <a:fillRef idx="1">
+            <a:schemeClr val="accent1"/>
+          </a:fillRef>
+          <a:effectRef idx="0">
+            <a:schemeClr val="accent1"/>
+          </a:effectRef>
+          <a:fontRef idx="minor">
+            <a:schemeClr val="lt1"/>
+          </a:fontRef>
+        </p:style>
+        <p:txBody>
+          <a:bodyPr rtlCol="0" anchor="ctr"/>
+          <a:lstStyle/>
+          <a:p>
+            <a:pPr algn="ctr"/>
+            <a:endParaRPr lang="fr-FR"/>
+          </a:p>
+        </p:txBody>
+      </p:sp>
+      <p:sp>
+        <p:nvSpPr>
+          <p:cNvPr id="19" name="TextBox 18">
+            <a:extLst>
+              <a:ext uri="{FF2B5EF4-FFF2-40B4-BE49-F238E27FC236}">
+                <a16:creationId xmlns:a16="http://schemas.microsoft.com/office/drawing/2014/main" id="{8B385779-2F49-435A-8BC4-44EA3465CF9A}"/>
+              </a:ext>
+            </a:extLst>
+          </p:cNvPr>
+          <p:cNvSpPr txBox="1"/>
+          <p:nvPr/>
+        </p:nvSpPr>
+        <p:spPr>
+          <a:xfrm>
+            <a:off x="4008167" y="1444982"/>
+            <a:ext cx="2612233" cy="369332"/>
+          </a:xfrm>
+          <a:prstGeom prst="rect">
+            <a:avLst/>
+          </a:prstGeom>
+          <a:noFill/>
+        </p:spPr>
+        <p:txBody>
+          <a:bodyPr wrap="square" rtlCol="0">
+            <a:spAutoFit/>
+          </a:bodyPr>
+          <a:lstStyle/>
+          <a:p>
+            <a:r>
+              <a:rPr lang="fr-FR" b="1" dirty="0">
+                <a:solidFill>
+                  <a:srgbClr val="0070C0"/>
+                </a:solidFill>
+              </a:rPr>
+              <a:t>Lentille</a:t>
+            </a:r>
+          </a:p>
+        </p:txBody>
+      </p:sp>
+      <p:sp>
+        <p:nvSpPr>
+          <p:cNvPr id="20" name="Multiplication Sign 19">
+            <a:extLst>
+              <a:ext uri="{FF2B5EF4-FFF2-40B4-BE49-F238E27FC236}">
+                <a16:creationId xmlns:a16="http://schemas.microsoft.com/office/drawing/2014/main" id="{DD439864-5758-4AD6-BC65-516949E4222E}"/>
+              </a:ext>
+            </a:extLst>
+          </p:cNvPr>
+          <p:cNvSpPr/>
+          <p:nvPr/>
+        </p:nvSpPr>
+        <p:spPr>
+          <a:xfrm>
+            <a:off x="2922425" y="3250779"/>
+            <a:ext cx="196900" cy="211949"/>
+          </a:xfrm>
+          <a:prstGeom prst="mathMultiply">
+            <a:avLst>
+              <a:gd name="adj1" fmla="val 1529"/>
+            </a:avLst>
+          </a:prstGeom>
+          <a:solidFill>
+            <a:schemeClr val="tx1"/>
+          </a:solidFill>
+          <a:ln>
+            <a:solidFill>
+              <a:schemeClr val="tx1"/>
+            </a:solidFill>
+          </a:ln>
+        </p:spPr>
+        <p:style>
+          <a:lnRef idx="2">
+            <a:schemeClr val="accent1">
+              <a:shade val="50000"/>
+            </a:schemeClr>
+          </a:lnRef>
+          <a:fillRef idx="1">
+            <a:schemeClr val="accent1"/>
+          </a:fillRef>
+          <a:effectRef idx="0">
+            <a:schemeClr val="accent1"/>
+          </a:effectRef>
+          <a:fontRef idx="minor">
+            <a:schemeClr val="lt1"/>
+          </a:fontRef>
+        </p:style>
+        <p:txBody>
+          <a:bodyPr rtlCol="0" anchor="ctr"/>
+          <a:lstStyle/>
+          <a:p>
+            <a:pPr algn="ctr"/>
+            <a:endParaRPr lang="fr-FR"/>
+          </a:p>
+        </p:txBody>
+      </p:sp>
+      <p:sp>
+        <p:nvSpPr>
+          <p:cNvPr id="21" name="TextBox 20">
+            <a:extLst>
+              <a:ext uri="{FF2B5EF4-FFF2-40B4-BE49-F238E27FC236}">
+                <a16:creationId xmlns:a16="http://schemas.microsoft.com/office/drawing/2014/main" id="{C1CDE7D6-D8CC-4D2B-B664-4A31584591DB}"/>
+              </a:ext>
+            </a:extLst>
+          </p:cNvPr>
+          <p:cNvSpPr txBox="1"/>
+          <p:nvPr/>
+        </p:nvSpPr>
+        <p:spPr>
+          <a:xfrm>
+            <a:off x="2817004" y="3347720"/>
+            <a:ext cx="217699" cy="307777"/>
+          </a:xfrm>
+          <a:prstGeom prst="rect">
+            <a:avLst/>
+          </a:prstGeom>
+          <a:noFill/>
+        </p:spPr>
+        <p:txBody>
+          <a:bodyPr wrap="square" rtlCol="0">
+            <a:spAutoFit/>
+          </a:bodyPr>
+          <a:lstStyle/>
+          <a:p>
+            <a:r>
+              <a:rPr lang="fr-FR" sz="1400" dirty="0"/>
+              <a:t>F</a:t>
+            </a:r>
+          </a:p>
+        </p:txBody>
+      </p:sp>
+      <p:sp>
+        <p:nvSpPr>
+          <p:cNvPr id="25" name="Multiplication Sign 24">
+            <a:extLst>
+              <a:ext uri="{FF2B5EF4-FFF2-40B4-BE49-F238E27FC236}">
+                <a16:creationId xmlns:a16="http://schemas.microsoft.com/office/drawing/2014/main" id="{F8657D13-E016-4192-800E-5355D34B5599}"/>
+              </a:ext>
+            </a:extLst>
+          </p:cNvPr>
+          <p:cNvSpPr/>
+          <p:nvPr/>
+        </p:nvSpPr>
+        <p:spPr>
+          <a:xfrm>
+            <a:off x="2433888" y="3281564"/>
+            <a:ext cx="120453" cy="142872"/>
+          </a:xfrm>
+          <a:prstGeom prst="mathMultiply">
+            <a:avLst>
+              <a:gd name="adj1" fmla="val 1529"/>
+            </a:avLst>
+          </a:prstGeom>
+          <a:solidFill>
+            <a:schemeClr val="tx1"/>
+          </a:solidFill>
+          <a:ln>
+            <a:solidFill>
+              <a:schemeClr val="tx1"/>
+            </a:solidFill>
+          </a:ln>
+        </p:spPr>
+        <p:style>
+          <a:lnRef idx="2">
+            <a:schemeClr val="accent1">
+              <a:shade val="50000"/>
+            </a:schemeClr>
+          </a:lnRef>
+          <a:fillRef idx="1">
+            <a:schemeClr val="accent1"/>
+          </a:fillRef>
+          <a:effectRef idx="0">
+            <a:schemeClr val="accent1"/>
+          </a:effectRef>
+          <a:fontRef idx="minor">
+            <a:schemeClr val="lt1"/>
+          </a:fontRef>
+        </p:style>
+        <p:txBody>
+          <a:bodyPr rtlCol="0" anchor="ctr"/>
+          <a:lstStyle/>
+          <a:p>
+            <a:pPr algn="ctr"/>
+            <a:endParaRPr lang="fr-FR"/>
+          </a:p>
+        </p:txBody>
+      </p:sp>
+      <p:sp>
+        <p:nvSpPr>
+          <p:cNvPr id="26" name="TextBox 25">
+            <a:extLst>
+              <a:ext uri="{FF2B5EF4-FFF2-40B4-BE49-F238E27FC236}">
+                <a16:creationId xmlns:a16="http://schemas.microsoft.com/office/drawing/2014/main" id="{7AC1E584-41AC-46D9-9110-78BDC0F5D029}"/>
+              </a:ext>
+            </a:extLst>
+          </p:cNvPr>
+          <p:cNvSpPr txBox="1"/>
+          <p:nvPr/>
+        </p:nvSpPr>
+        <p:spPr>
+          <a:xfrm>
+            <a:off x="2524633" y="3053524"/>
+            <a:ext cx="55360" cy="353943"/>
+          </a:xfrm>
+          <a:prstGeom prst="rect">
+            <a:avLst/>
+          </a:prstGeom>
+          <a:noFill/>
+        </p:spPr>
+        <p:txBody>
+          <a:bodyPr wrap="square" rtlCol="0">
+            <a:spAutoFit/>
+          </a:bodyPr>
+          <a:lstStyle/>
+          <a:p>
+            <a:r>
+              <a:rPr lang="fr-FR" sz="1700" b="1" dirty="0">
+                <a:solidFill>
+                  <a:srgbClr val="00B050"/>
+                </a:solidFill>
+              </a:rPr>
+              <a:t>A</a:t>
+            </a:r>
+          </a:p>
+        </p:txBody>
+      </p:sp>
+      <p:cxnSp>
+        <p:nvCxnSpPr>
+          <p:cNvPr id="28" name="Straight Connector 27">
+            <a:extLst>
+              <a:ext uri="{FF2B5EF4-FFF2-40B4-BE49-F238E27FC236}">
+                <a16:creationId xmlns:a16="http://schemas.microsoft.com/office/drawing/2014/main" id="{FE58367B-5C62-4397-A8C8-5F5A793833F0}"/>
+              </a:ext>
+            </a:extLst>
+          </p:cNvPr>
+          <p:cNvCxnSpPr>
+            <a:cxnSpLocks/>
+          </p:cNvCxnSpPr>
+          <p:nvPr/>
+        </p:nvCxnSpPr>
+        <p:spPr>
+          <a:xfrm flipV="1">
+            <a:off x="1664942" y="2819718"/>
+            <a:ext cx="0" cy="540000"/>
+          </a:xfrm>
+          <a:prstGeom prst="line">
+            <a:avLst/>
+          </a:prstGeom>
+          <a:ln w="38100">
+            <a:solidFill>
+              <a:srgbClr val="00B050"/>
+            </a:solidFill>
+          </a:ln>
+        </p:spPr>
+        <p:style>
+          <a:lnRef idx="1">
+            <a:schemeClr val="accent1"/>
+          </a:lnRef>
+          <a:fillRef idx="0">
+            <a:schemeClr val="accent1"/>
+          </a:fillRef>
+          <a:effectRef idx="0">
+            <a:schemeClr val="accent1"/>
+          </a:effectRef>
+          <a:fontRef idx="minor">
+            <a:schemeClr val="tx1"/>
+          </a:fontRef>
+        </p:style>
+      </p:cxnSp>
+      <p:cxnSp>
+        <p:nvCxnSpPr>
+          <p:cNvPr id="29" name="Straight Connector 28">
+            <a:extLst>
+              <a:ext uri="{FF2B5EF4-FFF2-40B4-BE49-F238E27FC236}">
+                <a16:creationId xmlns:a16="http://schemas.microsoft.com/office/drawing/2014/main" id="{2F8A7E5D-2207-415D-969F-724D9FFA7A13}"/>
+              </a:ext>
+            </a:extLst>
+          </p:cNvPr>
+          <p:cNvCxnSpPr>
+            <a:cxnSpLocks/>
+          </p:cNvCxnSpPr>
+          <p:nvPr/>
+        </p:nvCxnSpPr>
+        <p:spPr>
+          <a:xfrm flipV="1">
+            <a:off x="1941349" y="2819718"/>
+            <a:ext cx="0" cy="540000"/>
+          </a:xfrm>
+          <a:prstGeom prst="line">
+            <a:avLst/>
+          </a:prstGeom>
+          <a:ln w="38100">
+            <a:solidFill>
+              <a:srgbClr val="00B050"/>
+            </a:solidFill>
+          </a:ln>
+        </p:spPr>
+        <p:style>
+          <a:lnRef idx="1">
+            <a:schemeClr val="accent1"/>
+          </a:lnRef>
+          <a:fillRef idx="0">
+            <a:schemeClr val="accent1"/>
+          </a:fillRef>
+          <a:effectRef idx="0">
+            <a:schemeClr val="accent1"/>
+          </a:effectRef>
+          <a:fontRef idx="minor">
+            <a:schemeClr val="tx1"/>
+          </a:fontRef>
+        </p:style>
+      </p:cxnSp>
+      <p:cxnSp>
+        <p:nvCxnSpPr>
+          <p:cNvPr id="30" name="Straight Connector 29">
+            <a:extLst>
+              <a:ext uri="{FF2B5EF4-FFF2-40B4-BE49-F238E27FC236}">
+                <a16:creationId xmlns:a16="http://schemas.microsoft.com/office/drawing/2014/main" id="{B2D62DA3-95DB-418C-A146-70F1A795527B}"/>
+              </a:ext>
+            </a:extLst>
+          </p:cNvPr>
+          <p:cNvCxnSpPr>
+            <a:cxnSpLocks/>
+          </p:cNvCxnSpPr>
+          <p:nvPr/>
+        </p:nvCxnSpPr>
+        <p:spPr>
+          <a:xfrm flipV="1">
+            <a:off x="2208049" y="2819718"/>
+            <a:ext cx="0" cy="540000"/>
+          </a:xfrm>
+          <a:prstGeom prst="line">
+            <a:avLst/>
+          </a:prstGeom>
+          <a:ln w="38100">
+            <a:solidFill>
+              <a:srgbClr val="00B050"/>
+            </a:solidFill>
+          </a:ln>
+        </p:spPr>
+        <p:style>
+          <a:lnRef idx="1">
+            <a:schemeClr val="accent1"/>
+          </a:lnRef>
+          <a:fillRef idx="0">
+            <a:schemeClr val="accent1"/>
+          </a:fillRef>
+          <a:effectRef idx="0">
+            <a:schemeClr val="accent1"/>
+          </a:effectRef>
+          <a:fontRef idx="minor">
+            <a:schemeClr val="tx1"/>
+          </a:fontRef>
+        </p:style>
+      </p:cxnSp>
+    </p:spTree>
+    <p:extLst>
+      <p:ext uri="{BB962C8B-B14F-4D97-AF65-F5344CB8AC3E}">
+        <p14:creationId xmlns:p14="http://schemas.microsoft.com/office/powerpoint/2010/main" val="1153308785"/>
+      </p:ext>
+    </p:extLst>
+  </p:cSld>
+  <p:clrMapOvr>
+    <a:masterClrMapping/>
+  </p:clrMapOvr>
+</p:sld>
+</file>
+
+<file path=ppt/slides/slide5.xml><?xml version="1.0" encoding="utf-8"?>
+<p:sld xmlns:a="http://schemas.openxmlformats.org/drawingml/2006/main" xmlns:r="http://schemas.openxmlformats.org/officeDocument/2006/relationships" xmlns:p="http://schemas.openxmlformats.org/presentationml/2006/main">
+  <p:cSld>
+    <p:spTree>
+      <p:nvGrpSpPr>
+        <p:cNvPr id="1" name=""/>
+        <p:cNvGrpSpPr/>
+        <p:nvPr/>
+      </p:nvGrpSpPr>
+      <p:grpSpPr>
+        <a:xfrm>
+          <a:off x="0" y="0"/>
+          <a:ext cx="0" cy="0"/>
+          <a:chOff x="0" y="0"/>
+          <a:chExt cx="0" cy="0"/>
+        </a:xfrm>
+      </p:grpSpPr>
+      <p:pic>
+        <p:nvPicPr>
+          <p:cNvPr id="2" name="Picture 1">
+            <a:extLst>
+              <a:ext uri="{FF2B5EF4-FFF2-40B4-BE49-F238E27FC236}">
+                <a16:creationId xmlns:a16="http://schemas.microsoft.com/office/drawing/2014/main" id="{1352062B-4F24-43D7-8952-0AC70234C2B5}"/>
+              </a:ext>
+            </a:extLst>
+          </p:cNvPr>
+          <p:cNvPicPr>
+            <a:picLocks noChangeAspect="1"/>
+          </p:cNvPicPr>
+          <p:nvPr/>
+        </p:nvPicPr>
+        <p:blipFill>
+          <a:blip r:embed="rId2">
+            <a:alphaModFix amt="50000"/>
+            <a:extLst>
+              <a:ext uri="{BEBA8EAE-BF5A-486C-A8C5-ECC9F3942E4B}">
+                <a14:imgProps xmlns:a14="http://schemas.microsoft.com/office/drawing/2010/main">
+                  <a14:imgLayer r:embed="rId3">
+                    <a14:imgEffect>
+                      <a14:sharpenSoften amount="25000"/>
+                    </a14:imgEffect>
+                  </a14:imgLayer>
+                </a14:imgProps>
+              </a:ext>
+            </a:extLst>
+          </a:blip>
+          <a:stretch>
+            <a:fillRect/>
+          </a:stretch>
+        </p:blipFill>
+        <p:spPr>
+          <a:xfrm>
+            <a:off x="838849" y="564515"/>
+            <a:ext cx="10334625" cy="5505450"/>
+          </a:xfrm>
+          <a:prstGeom prst="rect">
+            <a:avLst/>
+          </a:prstGeom>
+        </p:spPr>
+      </p:pic>
+      <p:sp>
+        <p:nvSpPr>
+          <p:cNvPr id="3" name="TextBox 2">
+            <a:extLst>
+              <a:ext uri="{FF2B5EF4-FFF2-40B4-BE49-F238E27FC236}">
+                <a16:creationId xmlns:a16="http://schemas.microsoft.com/office/drawing/2014/main" id="{39F4B452-2B70-4A3E-9BBB-474694D24B55}"/>
+              </a:ext>
+            </a:extLst>
+          </p:cNvPr>
+          <p:cNvSpPr txBox="1"/>
+          <p:nvPr/>
+        </p:nvSpPr>
+        <p:spPr>
+          <a:xfrm>
+            <a:off x="4916209" y="3293327"/>
+            <a:ext cx="326897" cy="307777"/>
+          </a:xfrm>
+          <a:prstGeom prst="rect">
+            <a:avLst/>
+          </a:prstGeom>
+          <a:noFill/>
+        </p:spPr>
+        <p:txBody>
+          <a:bodyPr wrap="square" rtlCol="0">
+            <a:spAutoFit/>
+          </a:bodyPr>
+          <a:lstStyle/>
+          <a:p>
+            <a:r>
+              <a:rPr lang="fr-FR" sz="1400" dirty="0"/>
+              <a:t>F’</a:t>
+            </a:r>
+          </a:p>
+        </p:txBody>
+      </p:sp>
+      <p:cxnSp>
+        <p:nvCxnSpPr>
+          <p:cNvPr id="10" name="Straight Connector 9">
+            <a:extLst>
+              <a:ext uri="{FF2B5EF4-FFF2-40B4-BE49-F238E27FC236}">
+                <a16:creationId xmlns:a16="http://schemas.microsoft.com/office/drawing/2014/main" id="{3972B1F2-9E4B-4B6E-8217-20F174AADD5F}"/>
+              </a:ext>
+            </a:extLst>
+          </p:cNvPr>
+          <p:cNvCxnSpPr>
+            <a:cxnSpLocks/>
+          </p:cNvCxnSpPr>
+          <p:nvPr/>
+        </p:nvCxnSpPr>
+        <p:spPr>
+          <a:xfrm flipV="1">
+            <a:off x="2491682" y="2819718"/>
+            <a:ext cx="0" cy="540000"/>
+          </a:xfrm>
+          <a:prstGeom prst="line">
+            <a:avLst/>
+          </a:prstGeom>
+          <a:ln w="38100">
+            <a:solidFill>
+              <a:srgbClr val="00B050"/>
+            </a:solidFill>
+          </a:ln>
+        </p:spPr>
+        <p:style>
+          <a:lnRef idx="1">
+            <a:schemeClr val="accent1"/>
+          </a:lnRef>
+          <a:fillRef idx="0">
+            <a:schemeClr val="accent1"/>
+          </a:fillRef>
+          <a:effectRef idx="0">
+            <a:schemeClr val="accent1"/>
+          </a:effectRef>
+          <a:fontRef idx="minor">
+            <a:schemeClr val="tx1"/>
+          </a:fontRef>
+        </p:style>
+      </p:cxnSp>
+      <p:sp>
+        <p:nvSpPr>
+          <p:cNvPr id="11" name="Multiplication Sign 10">
+            <a:extLst>
+              <a:ext uri="{FF2B5EF4-FFF2-40B4-BE49-F238E27FC236}">
+                <a16:creationId xmlns:a16="http://schemas.microsoft.com/office/drawing/2014/main" id="{40F0960E-012E-48A9-AC78-87D4F4851B65}"/>
+              </a:ext>
+            </a:extLst>
+          </p:cNvPr>
+          <p:cNvSpPr/>
+          <p:nvPr/>
+        </p:nvSpPr>
+        <p:spPr>
+          <a:xfrm>
+            <a:off x="2426376" y="2745115"/>
+            <a:ext cx="120453" cy="142872"/>
+          </a:xfrm>
+          <a:prstGeom prst="mathMultiply">
+            <a:avLst>
+              <a:gd name="adj1" fmla="val 1529"/>
+            </a:avLst>
+          </a:prstGeom>
+          <a:solidFill>
+            <a:schemeClr val="tx1"/>
+          </a:solidFill>
+          <a:ln>
+            <a:solidFill>
+              <a:schemeClr val="tx1"/>
+            </a:solidFill>
+          </a:ln>
+        </p:spPr>
+        <p:style>
+          <a:lnRef idx="2">
+            <a:schemeClr val="accent1">
+              <a:shade val="50000"/>
+            </a:schemeClr>
+          </a:lnRef>
+          <a:fillRef idx="1">
+            <a:schemeClr val="accent1"/>
+          </a:fillRef>
+          <a:effectRef idx="0">
+            <a:schemeClr val="accent1"/>
+          </a:effectRef>
+          <a:fontRef idx="minor">
+            <a:schemeClr val="lt1"/>
+          </a:fontRef>
+        </p:style>
+        <p:txBody>
+          <a:bodyPr rtlCol="0" anchor="ctr"/>
+          <a:lstStyle/>
+          <a:p>
+            <a:pPr algn="ctr"/>
+            <a:endParaRPr lang="fr-FR"/>
+          </a:p>
+        </p:txBody>
+      </p:sp>
+      <p:cxnSp>
+        <p:nvCxnSpPr>
+          <p:cNvPr id="12" name="Straight Arrow Connector 11">
+            <a:extLst>
+              <a:ext uri="{FF2B5EF4-FFF2-40B4-BE49-F238E27FC236}">
+                <a16:creationId xmlns:a16="http://schemas.microsoft.com/office/drawing/2014/main" id="{A8408AD1-17D4-4E6D-A014-6AD7A5472233}"/>
+              </a:ext>
+            </a:extLst>
+          </p:cNvPr>
+          <p:cNvCxnSpPr>
+            <a:cxnSpLocks/>
+          </p:cNvCxnSpPr>
+          <p:nvPr/>
+        </p:nvCxnSpPr>
+        <p:spPr>
+          <a:xfrm>
+            <a:off x="4109359" y="1722120"/>
+            <a:ext cx="0" cy="3251200"/>
+          </a:xfrm>
+          <a:prstGeom prst="straightConnector1">
+            <a:avLst/>
+          </a:prstGeom>
+          <a:ln w="50800">
+            <a:headEnd type="triangle"/>
+            <a:tailEnd type="triangle"/>
+          </a:ln>
+        </p:spPr>
+        <p:style>
+          <a:lnRef idx="1">
+            <a:schemeClr val="accent1"/>
+          </a:lnRef>
+          <a:fillRef idx="0">
+            <a:schemeClr val="accent1"/>
+          </a:fillRef>
+          <a:effectRef idx="0">
+            <a:schemeClr val="accent1"/>
+          </a:effectRef>
+          <a:fontRef idx="minor">
+            <a:schemeClr val="tx1"/>
+          </a:fontRef>
+        </p:style>
+      </p:cxnSp>
+      <p:sp>
+        <p:nvSpPr>
+          <p:cNvPr id="14" name="TextBox 13">
+            <a:extLst>
+              <a:ext uri="{FF2B5EF4-FFF2-40B4-BE49-F238E27FC236}">
+                <a16:creationId xmlns:a16="http://schemas.microsoft.com/office/drawing/2014/main" id="{7A1B0778-093A-4C21-A77A-17D8097CAC30}"/>
+              </a:ext>
+            </a:extLst>
+          </p:cNvPr>
+          <p:cNvSpPr txBox="1"/>
+          <p:nvPr/>
+        </p:nvSpPr>
+        <p:spPr>
+          <a:xfrm>
+            <a:off x="2477110" y="2526675"/>
+            <a:ext cx="65877" cy="353943"/>
+          </a:xfrm>
+          <a:prstGeom prst="rect">
+            <a:avLst/>
+          </a:prstGeom>
+          <a:noFill/>
+        </p:spPr>
+        <p:txBody>
+          <a:bodyPr wrap="square" rtlCol="0">
+            <a:spAutoFit/>
+          </a:bodyPr>
+          <a:lstStyle/>
+          <a:p>
+            <a:r>
+              <a:rPr lang="fr-FR" sz="1700" b="1" dirty="0">
+                <a:solidFill>
+                  <a:srgbClr val="00B050"/>
+                </a:solidFill>
+              </a:rPr>
+              <a:t>B</a:t>
+            </a:r>
+          </a:p>
+        </p:txBody>
+      </p:sp>
+      <p:sp>
+        <p:nvSpPr>
+          <p:cNvPr id="15" name="Multiplication Sign 14">
+            <a:extLst>
+              <a:ext uri="{FF2B5EF4-FFF2-40B4-BE49-F238E27FC236}">
+                <a16:creationId xmlns:a16="http://schemas.microsoft.com/office/drawing/2014/main" id="{92B53285-2761-40C7-9082-A301640CB532}"/>
+              </a:ext>
+            </a:extLst>
+          </p:cNvPr>
+          <p:cNvSpPr/>
+          <p:nvPr/>
+        </p:nvSpPr>
+        <p:spPr>
+          <a:xfrm>
+            <a:off x="4002625" y="3252174"/>
+            <a:ext cx="196900" cy="211949"/>
+          </a:xfrm>
+          <a:prstGeom prst="mathMultiply">
+            <a:avLst>
+              <a:gd name="adj1" fmla="val 1529"/>
+            </a:avLst>
+          </a:prstGeom>
+          <a:solidFill>
+            <a:schemeClr val="tx1"/>
+          </a:solidFill>
+          <a:ln>
+            <a:solidFill>
+              <a:schemeClr val="tx1"/>
+            </a:solidFill>
+          </a:ln>
+        </p:spPr>
+        <p:style>
+          <a:lnRef idx="2">
+            <a:schemeClr val="accent1">
+              <a:shade val="50000"/>
+            </a:schemeClr>
+          </a:lnRef>
+          <a:fillRef idx="1">
+            <a:schemeClr val="accent1"/>
+          </a:fillRef>
+          <a:effectRef idx="0">
+            <a:schemeClr val="accent1"/>
+          </a:effectRef>
+          <a:fontRef idx="minor">
+            <a:schemeClr val="lt1"/>
+          </a:fontRef>
+        </p:style>
+        <p:txBody>
+          <a:bodyPr rtlCol="0" anchor="ctr"/>
+          <a:lstStyle/>
+          <a:p>
+            <a:pPr algn="ctr"/>
+            <a:endParaRPr lang="fr-FR"/>
+          </a:p>
+        </p:txBody>
+      </p:sp>
+      <p:sp>
+        <p:nvSpPr>
+          <p:cNvPr id="16" name="TextBox 15">
+            <a:extLst>
+              <a:ext uri="{FF2B5EF4-FFF2-40B4-BE49-F238E27FC236}">
+                <a16:creationId xmlns:a16="http://schemas.microsoft.com/office/drawing/2014/main" id="{3C800899-9652-4059-8C6E-295309893843}"/>
+              </a:ext>
+            </a:extLst>
+          </p:cNvPr>
+          <p:cNvSpPr txBox="1"/>
+          <p:nvPr/>
+        </p:nvSpPr>
+        <p:spPr>
+          <a:xfrm>
+            <a:off x="4146209" y="3293327"/>
+            <a:ext cx="45719" cy="307777"/>
+          </a:xfrm>
+          <a:prstGeom prst="rect">
+            <a:avLst/>
+          </a:prstGeom>
+          <a:noFill/>
+        </p:spPr>
+        <p:txBody>
+          <a:bodyPr wrap="square" rtlCol="0">
+            <a:spAutoFit/>
+          </a:bodyPr>
+          <a:lstStyle/>
+          <a:p>
+            <a:r>
+              <a:rPr lang="fr-FR" sz="1400" dirty="0"/>
+              <a:t>O</a:t>
+            </a:r>
+          </a:p>
+        </p:txBody>
+      </p:sp>
+      <p:sp>
+        <p:nvSpPr>
+          <p:cNvPr id="17" name="Multiplication Sign 16">
+            <a:extLst>
+              <a:ext uri="{FF2B5EF4-FFF2-40B4-BE49-F238E27FC236}">
+                <a16:creationId xmlns:a16="http://schemas.microsoft.com/office/drawing/2014/main" id="{ED1A3EBD-83F5-4607-BB7A-9F713A8DF81F}"/>
+              </a:ext>
+            </a:extLst>
+          </p:cNvPr>
+          <p:cNvSpPr/>
+          <p:nvPr/>
+        </p:nvSpPr>
+        <p:spPr>
+          <a:xfrm>
+            <a:off x="5087556" y="3250779"/>
+            <a:ext cx="196900" cy="211949"/>
+          </a:xfrm>
+          <a:prstGeom prst="mathMultiply">
+            <a:avLst>
+              <a:gd name="adj1" fmla="val 1529"/>
+            </a:avLst>
+          </a:prstGeom>
+          <a:solidFill>
+            <a:schemeClr val="tx1"/>
+          </a:solidFill>
+          <a:ln>
+            <a:solidFill>
+              <a:schemeClr val="tx1"/>
+            </a:solidFill>
+          </a:ln>
+        </p:spPr>
+        <p:style>
+          <a:lnRef idx="2">
+            <a:schemeClr val="accent1">
+              <a:shade val="50000"/>
+            </a:schemeClr>
+          </a:lnRef>
+          <a:fillRef idx="1">
+            <a:schemeClr val="accent1"/>
+          </a:fillRef>
+          <a:effectRef idx="0">
+            <a:schemeClr val="accent1"/>
+          </a:effectRef>
+          <a:fontRef idx="minor">
+            <a:schemeClr val="lt1"/>
+          </a:fontRef>
+        </p:style>
+        <p:txBody>
+          <a:bodyPr rtlCol="0" anchor="ctr"/>
+          <a:lstStyle/>
+          <a:p>
+            <a:pPr algn="ctr"/>
+            <a:endParaRPr lang="fr-FR"/>
+          </a:p>
+        </p:txBody>
+      </p:sp>
+      <p:sp>
+        <p:nvSpPr>
+          <p:cNvPr id="19" name="TextBox 18">
+            <a:extLst>
+              <a:ext uri="{FF2B5EF4-FFF2-40B4-BE49-F238E27FC236}">
+                <a16:creationId xmlns:a16="http://schemas.microsoft.com/office/drawing/2014/main" id="{8B385779-2F49-435A-8BC4-44EA3465CF9A}"/>
+              </a:ext>
+            </a:extLst>
+          </p:cNvPr>
+          <p:cNvSpPr txBox="1"/>
+          <p:nvPr/>
+        </p:nvSpPr>
+        <p:spPr>
+          <a:xfrm>
+            <a:off x="4008167" y="1444982"/>
+            <a:ext cx="2612233" cy="369332"/>
+          </a:xfrm>
+          <a:prstGeom prst="rect">
+            <a:avLst/>
+          </a:prstGeom>
+          <a:noFill/>
+        </p:spPr>
+        <p:txBody>
+          <a:bodyPr wrap="square" rtlCol="0">
+            <a:spAutoFit/>
+          </a:bodyPr>
+          <a:lstStyle/>
+          <a:p>
+            <a:r>
+              <a:rPr lang="fr-FR" b="1" dirty="0">
+                <a:solidFill>
+                  <a:srgbClr val="0070C0"/>
+                </a:solidFill>
+              </a:rPr>
+              <a:t>Lentille</a:t>
+            </a:r>
+          </a:p>
+        </p:txBody>
+      </p:sp>
+      <p:sp>
+        <p:nvSpPr>
+          <p:cNvPr id="20" name="Multiplication Sign 19">
+            <a:extLst>
+              <a:ext uri="{FF2B5EF4-FFF2-40B4-BE49-F238E27FC236}">
+                <a16:creationId xmlns:a16="http://schemas.microsoft.com/office/drawing/2014/main" id="{DD439864-5758-4AD6-BC65-516949E4222E}"/>
+              </a:ext>
+            </a:extLst>
+          </p:cNvPr>
+          <p:cNvSpPr/>
+          <p:nvPr/>
+        </p:nvSpPr>
+        <p:spPr>
+          <a:xfrm>
+            <a:off x="2922425" y="3250779"/>
+            <a:ext cx="196900" cy="211949"/>
+          </a:xfrm>
+          <a:prstGeom prst="mathMultiply">
+            <a:avLst>
+              <a:gd name="adj1" fmla="val 1529"/>
+            </a:avLst>
+          </a:prstGeom>
+          <a:solidFill>
+            <a:schemeClr val="tx1"/>
+          </a:solidFill>
+          <a:ln>
+            <a:solidFill>
+              <a:schemeClr val="tx1"/>
+            </a:solidFill>
+          </a:ln>
+        </p:spPr>
+        <p:style>
+          <a:lnRef idx="2">
+            <a:schemeClr val="accent1">
+              <a:shade val="50000"/>
+            </a:schemeClr>
+          </a:lnRef>
+          <a:fillRef idx="1">
+            <a:schemeClr val="accent1"/>
+          </a:fillRef>
+          <a:effectRef idx="0">
+            <a:schemeClr val="accent1"/>
+          </a:effectRef>
+          <a:fontRef idx="minor">
+            <a:schemeClr val="lt1"/>
+          </a:fontRef>
+        </p:style>
+        <p:txBody>
+          <a:bodyPr rtlCol="0" anchor="ctr"/>
+          <a:lstStyle/>
+          <a:p>
+            <a:pPr algn="ctr"/>
+            <a:endParaRPr lang="fr-FR"/>
+          </a:p>
+        </p:txBody>
+      </p:sp>
+      <p:sp>
+        <p:nvSpPr>
+          <p:cNvPr id="21" name="TextBox 20">
+            <a:extLst>
+              <a:ext uri="{FF2B5EF4-FFF2-40B4-BE49-F238E27FC236}">
+                <a16:creationId xmlns:a16="http://schemas.microsoft.com/office/drawing/2014/main" id="{C1CDE7D6-D8CC-4D2B-B664-4A31584591DB}"/>
+              </a:ext>
+            </a:extLst>
+          </p:cNvPr>
+          <p:cNvSpPr txBox="1"/>
+          <p:nvPr/>
+        </p:nvSpPr>
+        <p:spPr>
+          <a:xfrm>
+            <a:off x="2817004" y="3347720"/>
+            <a:ext cx="217699" cy="307777"/>
+          </a:xfrm>
+          <a:prstGeom prst="rect">
+            <a:avLst/>
+          </a:prstGeom>
+          <a:noFill/>
+        </p:spPr>
+        <p:txBody>
+          <a:bodyPr wrap="square" rtlCol="0">
+            <a:spAutoFit/>
+          </a:bodyPr>
+          <a:lstStyle/>
+          <a:p>
+            <a:r>
+              <a:rPr lang="fr-FR" sz="1400" dirty="0"/>
+              <a:t>F</a:t>
+            </a:r>
+          </a:p>
+        </p:txBody>
+      </p:sp>
+      <p:sp>
+        <p:nvSpPr>
+          <p:cNvPr id="25" name="Multiplication Sign 24">
+            <a:extLst>
+              <a:ext uri="{FF2B5EF4-FFF2-40B4-BE49-F238E27FC236}">
+                <a16:creationId xmlns:a16="http://schemas.microsoft.com/office/drawing/2014/main" id="{F8657D13-E016-4192-800E-5355D34B5599}"/>
+              </a:ext>
+            </a:extLst>
+          </p:cNvPr>
+          <p:cNvSpPr/>
+          <p:nvPr/>
+        </p:nvSpPr>
+        <p:spPr>
+          <a:xfrm>
+            <a:off x="2433888" y="3281564"/>
+            <a:ext cx="120453" cy="142872"/>
+          </a:xfrm>
+          <a:prstGeom prst="mathMultiply">
+            <a:avLst>
+              <a:gd name="adj1" fmla="val 1529"/>
+            </a:avLst>
+          </a:prstGeom>
+          <a:solidFill>
+            <a:schemeClr val="tx1"/>
+          </a:solidFill>
+          <a:ln>
+            <a:solidFill>
+              <a:schemeClr val="tx1"/>
+            </a:solidFill>
+          </a:ln>
+        </p:spPr>
+        <p:style>
+          <a:lnRef idx="2">
+            <a:schemeClr val="accent1">
+              <a:shade val="50000"/>
+            </a:schemeClr>
+          </a:lnRef>
+          <a:fillRef idx="1">
+            <a:schemeClr val="accent1"/>
+          </a:fillRef>
+          <a:effectRef idx="0">
+            <a:schemeClr val="accent1"/>
+          </a:effectRef>
+          <a:fontRef idx="minor">
+            <a:schemeClr val="lt1"/>
+          </a:fontRef>
+        </p:style>
+        <p:txBody>
+          <a:bodyPr rtlCol="0" anchor="ctr"/>
+          <a:lstStyle/>
+          <a:p>
+            <a:pPr algn="ctr"/>
+            <a:endParaRPr lang="fr-FR"/>
+          </a:p>
+        </p:txBody>
+      </p:sp>
+      <p:sp>
+        <p:nvSpPr>
+          <p:cNvPr id="26" name="TextBox 25">
+            <a:extLst>
+              <a:ext uri="{FF2B5EF4-FFF2-40B4-BE49-F238E27FC236}">
+                <a16:creationId xmlns:a16="http://schemas.microsoft.com/office/drawing/2014/main" id="{7AC1E584-41AC-46D9-9110-78BDC0F5D029}"/>
+              </a:ext>
+            </a:extLst>
+          </p:cNvPr>
+          <p:cNvSpPr txBox="1"/>
+          <p:nvPr/>
+        </p:nvSpPr>
+        <p:spPr>
+          <a:xfrm>
+            <a:off x="2524633" y="3053524"/>
+            <a:ext cx="55360" cy="353943"/>
+          </a:xfrm>
+          <a:prstGeom prst="rect">
+            <a:avLst/>
+          </a:prstGeom>
+          <a:noFill/>
+        </p:spPr>
+        <p:txBody>
+          <a:bodyPr wrap="square" rtlCol="0">
+            <a:spAutoFit/>
+          </a:bodyPr>
+          <a:lstStyle/>
+          <a:p>
+            <a:r>
+              <a:rPr lang="fr-FR" sz="1700" b="1" dirty="0">
+                <a:solidFill>
+                  <a:srgbClr val="00B050"/>
+                </a:solidFill>
+              </a:rPr>
+              <a:t>A</a:t>
+            </a:r>
+          </a:p>
+        </p:txBody>
+      </p:sp>
+      <p:cxnSp>
+        <p:nvCxnSpPr>
+          <p:cNvPr id="28" name="Straight Connector 27">
+            <a:extLst>
+              <a:ext uri="{FF2B5EF4-FFF2-40B4-BE49-F238E27FC236}">
+                <a16:creationId xmlns:a16="http://schemas.microsoft.com/office/drawing/2014/main" id="{FE58367B-5C62-4397-A8C8-5F5A793833F0}"/>
+              </a:ext>
+            </a:extLst>
+          </p:cNvPr>
+          <p:cNvCxnSpPr>
+            <a:cxnSpLocks/>
+          </p:cNvCxnSpPr>
+          <p:nvPr/>
+        </p:nvCxnSpPr>
+        <p:spPr>
+          <a:xfrm flipV="1">
+            <a:off x="1664942" y="2819718"/>
+            <a:ext cx="0" cy="540000"/>
+          </a:xfrm>
+          <a:prstGeom prst="line">
+            <a:avLst/>
+          </a:prstGeom>
+          <a:ln w="38100">
+            <a:solidFill>
+              <a:srgbClr val="00B050"/>
+            </a:solidFill>
+          </a:ln>
+        </p:spPr>
+        <p:style>
+          <a:lnRef idx="1">
+            <a:schemeClr val="accent1"/>
+          </a:lnRef>
+          <a:fillRef idx="0">
+            <a:schemeClr val="accent1"/>
+          </a:fillRef>
+          <a:effectRef idx="0">
+            <a:schemeClr val="accent1"/>
+          </a:effectRef>
+          <a:fontRef idx="minor">
+            <a:schemeClr val="tx1"/>
+          </a:fontRef>
+        </p:style>
+      </p:cxnSp>
+      <p:cxnSp>
+        <p:nvCxnSpPr>
+          <p:cNvPr id="29" name="Straight Connector 28">
+            <a:extLst>
+              <a:ext uri="{FF2B5EF4-FFF2-40B4-BE49-F238E27FC236}">
+                <a16:creationId xmlns:a16="http://schemas.microsoft.com/office/drawing/2014/main" id="{2F8A7E5D-2207-415D-969F-724D9FFA7A13}"/>
+              </a:ext>
+            </a:extLst>
+          </p:cNvPr>
+          <p:cNvCxnSpPr>
+            <a:cxnSpLocks/>
+          </p:cNvCxnSpPr>
+          <p:nvPr/>
+        </p:nvCxnSpPr>
+        <p:spPr>
+          <a:xfrm flipV="1">
+            <a:off x="1941349" y="2819718"/>
+            <a:ext cx="0" cy="540000"/>
+          </a:xfrm>
+          <a:prstGeom prst="line">
+            <a:avLst/>
+          </a:prstGeom>
+          <a:ln w="38100">
+            <a:solidFill>
+              <a:srgbClr val="00B050"/>
+            </a:solidFill>
+          </a:ln>
+        </p:spPr>
+        <p:style>
+          <a:lnRef idx="1">
+            <a:schemeClr val="accent1"/>
+          </a:lnRef>
+          <a:fillRef idx="0">
+            <a:schemeClr val="accent1"/>
+          </a:fillRef>
+          <a:effectRef idx="0">
+            <a:schemeClr val="accent1"/>
+          </a:effectRef>
+          <a:fontRef idx="minor">
+            <a:schemeClr val="tx1"/>
+          </a:fontRef>
+        </p:style>
+      </p:cxnSp>
+      <p:cxnSp>
+        <p:nvCxnSpPr>
+          <p:cNvPr id="30" name="Straight Connector 29">
+            <a:extLst>
+              <a:ext uri="{FF2B5EF4-FFF2-40B4-BE49-F238E27FC236}">
+                <a16:creationId xmlns:a16="http://schemas.microsoft.com/office/drawing/2014/main" id="{B2D62DA3-95DB-418C-A146-70F1A795527B}"/>
+              </a:ext>
+            </a:extLst>
+          </p:cNvPr>
+          <p:cNvCxnSpPr>
+            <a:cxnSpLocks/>
+          </p:cNvCxnSpPr>
+          <p:nvPr/>
+        </p:nvCxnSpPr>
+        <p:spPr>
+          <a:xfrm flipV="1">
+            <a:off x="2208049" y="2819718"/>
+            <a:ext cx="0" cy="540000"/>
+          </a:xfrm>
+          <a:prstGeom prst="line">
+            <a:avLst/>
+          </a:prstGeom>
+          <a:ln w="38100">
+            <a:solidFill>
+              <a:srgbClr val="00B050"/>
+            </a:solidFill>
+          </a:ln>
+        </p:spPr>
+        <p:style>
+          <a:lnRef idx="1">
+            <a:schemeClr val="accent1"/>
+          </a:lnRef>
+          <a:fillRef idx="0">
+            <a:schemeClr val="accent1"/>
+          </a:fillRef>
+          <a:effectRef idx="0">
+            <a:schemeClr val="accent1"/>
+          </a:effectRef>
+          <a:fontRef idx="minor">
+            <a:schemeClr val="tx1"/>
+          </a:fontRef>
+        </p:style>
+      </p:cxnSp>
+    </p:spTree>
+    <p:extLst>
+      <p:ext uri="{BB962C8B-B14F-4D97-AF65-F5344CB8AC3E}">
+        <p14:creationId xmlns:p14="http://schemas.microsoft.com/office/powerpoint/2010/main" val="4090746389"/>
+      </p:ext>
+    </p:extLst>
+  </p:cSld>
+  <p:clrMapOvr>
+    <a:masterClrMapping/>
+  </p:clrMapOvr>
+</p:sld>
+</file>
+
+<file path=ppt/slides/slide6.xml><?xml version="1.0" encoding="utf-8"?>
+<p:sld xmlns:a="http://schemas.openxmlformats.org/drawingml/2006/main" xmlns:r="http://schemas.openxmlformats.org/officeDocument/2006/relationships" xmlns:p="http://schemas.openxmlformats.org/presentationml/2006/main">
+  <p:cSld>
+    <p:spTree>
+      <p:nvGrpSpPr>
+        <p:cNvPr id="1" name=""/>
+        <p:cNvGrpSpPr/>
+        <p:nvPr/>
+      </p:nvGrpSpPr>
+      <p:grpSpPr>
+        <a:xfrm>
+          <a:off x="0" y="0"/>
+          <a:ext cx="0" cy="0"/>
+          <a:chOff x="0" y="0"/>
+          <a:chExt cx="0" cy="0"/>
+        </a:xfrm>
+      </p:grpSpPr>
+      <p:pic>
+        <p:nvPicPr>
+          <p:cNvPr id="2" name="Picture 1">
+            <a:extLst>
+              <a:ext uri="{FF2B5EF4-FFF2-40B4-BE49-F238E27FC236}">
                 <a16:creationId xmlns:a16="http://schemas.microsoft.com/office/drawing/2014/main" id="{B3AA923A-1983-4F69-9122-57C2B0AEADFA}"/>
               </a:ext>
             </a:extLst>
@@ -4958,7 +8353,7 @@
 </p:sld>
 </file>
 
-<file path=ppt/slides/slide3.xml><?xml version="1.0" encoding="utf-8"?>
+<file path=ppt/slides/slide7.xml><?xml version="1.0" encoding="utf-8"?>
 <p:sld xmlns:a="http://schemas.openxmlformats.org/drawingml/2006/main" xmlns:r="http://schemas.openxmlformats.org/officeDocument/2006/relationships" xmlns:p="http://schemas.openxmlformats.org/presentationml/2006/main">
   <p:cSld>
     <p:spTree>

--- a/Seconde/Chapitre8-LentilleEtOeil/Activité-TracéDesRayons/Activité-TraceDesRayons2.pptx
+++ b/Seconde/Chapitre8-LentilleEtOeil/Activité-TracéDesRayons/Activité-TraceDesRayons2.pptx
@@ -267,7 +267,7 @@
           <a:p>
             <a:fld id="{30F47439-A258-4A23-85FD-7826B78FC1E1}" type="datetimeFigureOut">
               <a:rPr lang="fr-FR" smtClean="0"/>
-              <a:t>06/03/2021</a:t>
+              <a:t>11/03/2021</a:t>
             </a:fld>
             <a:endParaRPr lang="fr-FR"/>
           </a:p>
@@ -467,7 +467,7 @@
           <a:p>
             <a:fld id="{30F47439-A258-4A23-85FD-7826B78FC1E1}" type="datetimeFigureOut">
               <a:rPr lang="fr-FR" smtClean="0"/>
-              <a:t>06/03/2021</a:t>
+              <a:t>11/03/2021</a:t>
             </a:fld>
             <a:endParaRPr lang="fr-FR"/>
           </a:p>
@@ -677,7 +677,7 @@
           <a:p>
             <a:fld id="{30F47439-A258-4A23-85FD-7826B78FC1E1}" type="datetimeFigureOut">
               <a:rPr lang="fr-FR" smtClean="0"/>
-              <a:t>06/03/2021</a:t>
+              <a:t>11/03/2021</a:t>
             </a:fld>
             <a:endParaRPr lang="fr-FR"/>
           </a:p>
@@ -877,7 +877,7 @@
           <a:p>
             <a:fld id="{30F47439-A258-4A23-85FD-7826B78FC1E1}" type="datetimeFigureOut">
               <a:rPr lang="fr-FR" smtClean="0"/>
-              <a:t>06/03/2021</a:t>
+              <a:t>11/03/2021</a:t>
             </a:fld>
             <a:endParaRPr lang="fr-FR"/>
           </a:p>
@@ -1153,7 +1153,7 @@
           <a:p>
             <a:fld id="{30F47439-A258-4A23-85FD-7826B78FC1E1}" type="datetimeFigureOut">
               <a:rPr lang="fr-FR" smtClean="0"/>
-              <a:t>06/03/2021</a:t>
+              <a:t>11/03/2021</a:t>
             </a:fld>
             <a:endParaRPr lang="fr-FR"/>
           </a:p>
@@ -1421,7 +1421,7 @@
           <a:p>
             <a:fld id="{30F47439-A258-4A23-85FD-7826B78FC1E1}" type="datetimeFigureOut">
               <a:rPr lang="fr-FR" smtClean="0"/>
-              <a:t>06/03/2021</a:t>
+              <a:t>11/03/2021</a:t>
             </a:fld>
             <a:endParaRPr lang="fr-FR"/>
           </a:p>
@@ -1836,7 +1836,7 @@
           <a:p>
             <a:fld id="{30F47439-A258-4A23-85FD-7826B78FC1E1}" type="datetimeFigureOut">
               <a:rPr lang="fr-FR" smtClean="0"/>
-              <a:t>06/03/2021</a:t>
+              <a:t>11/03/2021</a:t>
             </a:fld>
             <a:endParaRPr lang="fr-FR"/>
           </a:p>
@@ -1978,7 +1978,7 @@
           <a:p>
             <a:fld id="{30F47439-A258-4A23-85FD-7826B78FC1E1}" type="datetimeFigureOut">
               <a:rPr lang="fr-FR" smtClean="0"/>
-              <a:t>06/03/2021</a:t>
+              <a:t>11/03/2021</a:t>
             </a:fld>
             <a:endParaRPr lang="fr-FR"/>
           </a:p>
@@ -2091,7 +2091,7 @@
           <a:p>
             <a:fld id="{30F47439-A258-4A23-85FD-7826B78FC1E1}" type="datetimeFigureOut">
               <a:rPr lang="fr-FR" smtClean="0"/>
-              <a:t>06/03/2021</a:t>
+              <a:t>11/03/2021</a:t>
             </a:fld>
             <a:endParaRPr lang="fr-FR"/>
           </a:p>
@@ -2404,7 +2404,7 @@
           <a:p>
             <a:fld id="{30F47439-A258-4A23-85FD-7826B78FC1E1}" type="datetimeFigureOut">
               <a:rPr lang="fr-FR" smtClean="0"/>
-              <a:t>06/03/2021</a:t>
+              <a:t>11/03/2021</a:t>
             </a:fld>
             <a:endParaRPr lang="fr-FR"/>
           </a:p>
@@ -2693,7 +2693,7 @@
           <a:p>
             <a:fld id="{30F47439-A258-4A23-85FD-7826B78FC1E1}" type="datetimeFigureOut">
               <a:rPr lang="fr-FR" smtClean="0"/>
-              <a:t>06/03/2021</a:t>
+              <a:t>11/03/2021</a:t>
             </a:fld>
             <a:endParaRPr lang="fr-FR"/>
           </a:p>
@@ -2936,7 +2936,7 @@
           <a:p>
             <a:fld id="{30F47439-A258-4A23-85FD-7826B78FC1E1}" type="datetimeFigureOut">
               <a:rPr lang="fr-FR" smtClean="0"/>
-              <a:t>06/03/2021</a:t>
+              <a:t>11/03/2021</a:t>
             </a:fld>
             <a:endParaRPr lang="fr-FR"/>
           </a:p>
@@ -5356,7 +5356,7 @@
           </p:cNvPicPr>
           <p:nvPr/>
         </p:nvPicPr>
-        <p:blipFill>
+        <p:blipFill rotWithShape="1">
           <a:blip r:embed="rId2">
             <a:alphaModFix amt="50000"/>
             <a:extLst>
@@ -5371,14 +5371,13 @@
               </a:ext>
             </a:extLst>
           </a:blip>
-          <a:stretch>
-            <a:fillRect/>
-          </a:stretch>
+          <a:srcRect l="10106"/>
+          <a:stretch/>
         </p:blipFill>
         <p:spPr>
           <a:xfrm>
-            <a:off x="838849" y="564515"/>
-            <a:ext cx="10334625" cy="5505450"/>
+            <a:off x="103988" y="564515"/>
+            <a:ext cx="9290249" cy="5505450"/>
           </a:xfrm>
           <a:prstGeom prst="rect">
             <a:avLst/>
@@ -5399,7 +5398,7 @@
         </p:nvSpPr>
         <p:spPr>
           <a:xfrm>
-            <a:off x="5423121" y="3322396"/>
+            <a:off x="3643885" y="3322396"/>
             <a:ext cx="326897" cy="307777"/>
           </a:xfrm>
           <a:prstGeom prst="rect">
@@ -5436,7 +5435,7 @@
         </p:nvCxnSpPr>
         <p:spPr>
           <a:xfrm>
-            <a:off x="2491682" y="3359718"/>
+            <a:off x="712446" y="3359718"/>
             <a:ext cx="0" cy="526482"/>
           </a:xfrm>
           <a:prstGeom prst="line">
@@ -5479,7 +5478,7 @@
         </p:nvCxnSpPr>
         <p:spPr>
           <a:xfrm>
-            <a:off x="4109359" y="654050"/>
+            <a:off x="2330123" y="654050"/>
             <a:ext cx="0" cy="5415915"/>
           </a:xfrm>
           <a:prstGeom prst="straightConnector1">
@@ -5519,7 +5518,7 @@
         </p:nvSpPr>
         <p:spPr>
           <a:xfrm>
-            <a:off x="2477110" y="3800904"/>
+            <a:off x="697874" y="3800904"/>
             <a:ext cx="65877" cy="353943"/>
           </a:xfrm>
           <a:prstGeom prst="rect">
@@ -5558,7 +5557,7 @@
         </p:nvSpPr>
         <p:spPr>
           <a:xfrm>
-            <a:off x="4002625" y="3252174"/>
+            <a:off x="2223389" y="3252174"/>
             <a:ext cx="196900" cy="211949"/>
           </a:xfrm>
           <a:prstGeom prst="mathMultiply">
@@ -5614,7 +5613,7 @@
         </p:nvSpPr>
         <p:spPr>
           <a:xfrm>
-            <a:off x="4146209" y="3293327"/>
+            <a:off x="2366973" y="3293327"/>
             <a:ext cx="45719" cy="307777"/>
           </a:xfrm>
           <a:prstGeom prst="rect">
@@ -5649,7 +5648,7 @@
         </p:nvSpPr>
         <p:spPr>
           <a:xfrm>
-            <a:off x="5347906" y="3250779"/>
+            <a:off x="3568670" y="3250779"/>
             <a:ext cx="196900" cy="211949"/>
           </a:xfrm>
           <a:prstGeom prst="mathMultiply">
@@ -5705,7 +5704,7 @@
         </p:nvSpPr>
         <p:spPr>
           <a:xfrm>
-            <a:off x="4097954" y="1410419"/>
+            <a:off x="2318718" y="1410419"/>
             <a:ext cx="2612233" cy="369332"/>
           </a:xfrm>
           <a:prstGeom prst="rect">
@@ -5744,7 +5743,7 @@
         </p:nvSpPr>
         <p:spPr>
           <a:xfrm>
-            <a:off x="2659960" y="3250779"/>
+            <a:off x="880724" y="3250779"/>
             <a:ext cx="196900" cy="211949"/>
           </a:xfrm>
           <a:prstGeom prst="mathMultiply">
@@ -5800,7 +5799,7 @@
         </p:nvSpPr>
         <p:spPr>
           <a:xfrm>
-            <a:off x="2554537" y="3347720"/>
+            <a:off x="775301" y="3347720"/>
             <a:ext cx="217699" cy="307777"/>
           </a:xfrm>
           <a:prstGeom prst="rect">
@@ -5835,7 +5834,7 @@
         </p:nvSpPr>
         <p:spPr>
           <a:xfrm>
-            <a:off x="2433888" y="3281564"/>
+            <a:off x="654652" y="3281564"/>
             <a:ext cx="120453" cy="142872"/>
           </a:xfrm>
           <a:prstGeom prst="mathMultiply">
@@ -5891,7 +5890,7 @@
         </p:nvSpPr>
         <p:spPr>
           <a:xfrm>
-            <a:off x="2480753" y="3050503"/>
+            <a:off x="701517" y="3050503"/>
             <a:ext cx="55360" cy="353943"/>
           </a:xfrm>
           <a:prstGeom prst="rect">
@@ -5932,7 +5931,7 @@
         </p:nvCxnSpPr>
         <p:spPr>
           <a:xfrm>
-            <a:off x="2224982" y="3359718"/>
+            <a:off x="445746" y="3359718"/>
             <a:ext cx="0" cy="526482"/>
           </a:xfrm>
           <a:prstGeom prst="line">
@@ -5973,7 +5972,7 @@
         </p:nvSpPr>
         <p:spPr>
           <a:xfrm>
-            <a:off x="2160838" y="3294264"/>
+            <a:off x="381602" y="3294264"/>
             <a:ext cx="120453" cy="142872"/>
           </a:xfrm>
           <a:prstGeom prst="mathMultiply">
@@ -6029,7 +6028,7 @@
         </p:nvSpPr>
         <p:spPr>
           <a:xfrm>
-            <a:off x="2160838" y="3821314"/>
+            <a:off x="381602" y="3821314"/>
             <a:ext cx="120453" cy="142872"/>
           </a:xfrm>
           <a:prstGeom prst="mathMultiply">
@@ -6085,7 +6084,7 @@
         </p:nvSpPr>
         <p:spPr>
           <a:xfrm>
-            <a:off x="2207365" y="3050502"/>
+            <a:off x="428129" y="3050502"/>
             <a:ext cx="55360" cy="353943"/>
           </a:xfrm>
           <a:prstGeom prst="rect">
@@ -6124,7 +6123,7 @@
         </p:nvSpPr>
         <p:spPr>
           <a:xfrm>
-            <a:off x="1983872" y="3821314"/>
+            <a:off x="204636" y="3821314"/>
             <a:ext cx="333683" cy="353943"/>
           </a:xfrm>
           <a:prstGeom prst="rect">
@@ -6163,7 +6162,7 @@
         </p:nvSpPr>
         <p:spPr>
           <a:xfrm>
-            <a:off x="2427538" y="3825548"/>
+            <a:off x="648302" y="3825548"/>
             <a:ext cx="120453" cy="142872"/>
           </a:xfrm>
           <a:prstGeom prst="mathMultiply">
@@ -6205,12 +6204,54 @@
           </a:p>
         </p:txBody>
       </p:sp>
+      <p:sp>
+        <p:nvSpPr>
+          <p:cNvPr id="35" name="TextBox 34">
+            <a:extLst>
+              <a:ext uri="{FF2B5EF4-FFF2-40B4-BE49-F238E27FC236}">
+                <a16:creationId xmlns:a16="http://schemas.microsoft.com/office/drawing/2014/main" id="{0A9F1D68-ADB2-4EAD-8A75-1606B87ED2B0}"/>
+              </a:ext>
+            </a:extLst>
+          </p:cNvPr>
+          <p:cNvSpPr txBox="1"/>
+          <p:nvPr/>
+        </p:nvSpPr>
+        <p:spPr>
+          <a:xfrm>
+            <a:off x="184794" y="5266381"/>
+            <a:ext cx="2094119" cy="784830"/>
+          </a:xfrm>
+          <a:prstGeom prst="rect">
+            <a:avLst/>
+          </a:prstGeom>
+          <a:solidFill>
+            <a:schemeClr val="bg1"/>
+          </a:solidFill>
+        </p:spPr>
+        <p:txBody>
+          <a:bodyPr wrap="square" rtlCol="0">
+            <a:spAutoFit/>
+          </a:bodyPr>
+          <a:lstStyle/>
+          <a:p>
+            <a:pPr algn="just"/>
+            <a:r>
+              <a:rPr lang="fr-FR" sz="1500" b="1" dirty="0"/>
+              <a:t>Echelle </a:t>
+            </a:r>
+            <a:r>
+              <a:rPr lang="fr-FR" sz="1500" dirty="0"/>
+              <a:t>:  0,5 cm sur la figure correspond à 2 cm en réalité</a:t>
+            </a:r>
+          </a:p>
+        </p:txBody>
+      </p:sp>
       <p:cxnSp>
         <p:nvCxnSpPr>
-          <p:cNvPr id="9" name="Straight Arrow Connector 8">
-            <a:extLst>
-              <a:ext uri="{FF2B5EF4-FFF2-40B4-BE49-F238E27FC236}">
-                <a16:creationId xmlns:a16="http://schemas.microsoft.com/office/drawing/2014/main" id="{15A0FCF8-E4D4-42B1-B498-E9DC88693D35}"/>
+          <p:cNvPr id="38" name="Straight Connector 37">
+            <a:extLst>
+              <a:ext uri="{FF2B5EF4-FFF2-40B4-BE49-F238E27FC236}">
+                <a16:creationId xmlns:a16="http://schemas.microsoft.com/office/drawing/2014/main" id="{FF1FB9DA-9145-4BA4-B63D-8C5E4C18B6B7}"/>
               </a:ext>
             </a:extLst>
           </p:cNvPr>
@@ -6220,19 +6261,18 @@
           <p:nvPr/>
         </p:nvCxnSpPr>
         <p:spPr>
-          <a:xfrm>
-            <a:off x="1665288" y="5519548"/>
-            <a:ext cx="287337" cy="0"/>
-          </a:xfrm>
-          <a:prstGeom prst="straightConnector1">
-            <a:avLst/>
-          </a:prstGeom>
-          <a:ln w="25400">
+          <a:xfrm flipV="1">
+            <a:off x="-899291" y="3356753"/>
+            <a:ext cx="10154500" cy="11857"/>
+          </a:xfrm>
+          <a:prstGeom prst="line">
+            <a:avLst/>
+          </a:prstGeom>
+          <a:ln w="34925">
             <a:solidFill>
-              <a:srgbClr val="FF0000"/>
+              <a:schemeClr val="tx1"/>
             </a:solidFill>
-            <a:headEnd type="triangle"/>
-            <a:tailEnd type="triangle"/>
+            <a:prstDash val="dash"/>
           </a:ln>
         </p:spPr>
         <p:style>
@@ -6250,76 +6290,60 @@
           </a:fontRef>
         </p:style>
       </p:cxnSp>
-      <p:sp>
-        <p:nvSpPr>
-          <p:cNvPr id="35" name="TextBox 34">
-            <a:extLst>
-              <a:ext uri="{FF2B5EF4-FFF2-40B4-BE49-F238E27FC236}">
-                <a16:creationId xmlns:a16="http://schemas.microsoft.com/office/drawing/2014/main" id="{0A9F1D68-ADB2-4EAD-8A75-1606B87ED2B0}"/>
-              </a:ext>
-            </a:extLst>
-          </p:cNvPr>
-          <p:cNvSpPr txBox="1"/>
-          <p:nvPr/>
-        </p:nvSpPr>
-        <p:spPr>
-          <a:xfrm>
-            <a:off x="851361" y="5146635"/>
-            <a:ext cx="2618953" cy="923330"/>
+      <p:pic>
+        <p:nvPicPr>
+          <p:cNvPr id="5" name="Picture 4">
+            <a:extLst>
+              <a:ext uri="{FF2B5EF4-FFF2-40B4-BE49-F238E27FC236}">
+                <a16:creationId xmlns:a16="http://schemas.microsoft.com/office/drawing/2014/main" id="{0D3D23CF-0C33-4BF8-89C6-CDE70E47E03E}"/>
+              </a:ext>
+            </a:extLst>
+          </p:cNvPr>
+          <p:cNvPicPr>
+            <a:picLocks noChangeAspect="1"/>
+          </p:cNvPicPr>
+          <p:nvPr/>
+        </p:nvPicPr>
+        <p:blipFill>
+          <a:blip r:embed="rId4"/>
+          <a:stretch>
+            <a:fillRect/>
+          </a:stretch>
+        </p:blipFill>
+        <p:spPr>
+          <a:xfrm>
+            <a:off x="9309064" y="657639"/>
+            <a:ext cx="2242563" cy="5454000"/>
           </a:xfrm>
           <a:prstGeom prst="rect">
             <a:avLst/>
           </a:prstGeom>
-          <a:solidFill>
-            <a:schemeClr val="bg1"/>
-          </a:solidFill>
-        </p:spPr>
-        <p:txBody>
-          <a:bodyPr wrap="square" rtlCol="0">
-            <a:spAutoFit/>
-          </a:bodyPr>
-          <a:lstStyle/>
-          <a:p>
-            <a:pPr algn="just"/>
-            <a:r>
-              <a:rPr lang="fr-FR" b="1" dirty="0"/>
-              <a:t>Echelle </a:t>
-            </a:r>
-            <a:r>
-              <a:rPr lang="fr-FR" dirty="0"/>
-              <a:t>:  0,5 cm sur la figure correspond à 2 cm en réalité</a:t>
-            </a:r>
-          </a:p>
-        </p:txBody>
-      </p:sp>
+        </p:spPr>
+      </p:pic>
       <p:cxnSp>
         <p:nvCxnSpPr>
-          <p:cNvPr id="38" name="Straight Connector 37">
-            <a:extLst>
-              <a:ext uri="{FF2B5EF4-FFF2-40B4-BE49-F238E27FC236}">
-                <a16:creationId xmlns:a16="http://schemas.microsoft.com/office/drawing/2014/main" id="{FF1FB9DA-9145-4BA4-B63D-8C5E4C18B6B7}"/>
+          <p:cNvPr id="7" name="Straight Connector 6">
+            <a:extLst>
+              <a:ext uri="{FF2B5EF4-FFF2-40B4-BE49-F238E27FC236}">
+                <a16:creationId xmlns:a16="http://schemas.microsoft.com/office/drawing/2014/main" id="{5EE6598A-FB84-4322-9002-D37EA6CE02CD}"/>
               </a:ext>
             </a:extLst>
           </p:cNvPr>
           <p:cNvCxnSpPr>
             <a:cxnSpLocks/>
+            <a:stCxn id="33" idx="2"/>
+            <a:endCxn id="5" idx="0"/>
           </p:cNvCxnSpPr>
           <p:nvPr/>
         </p:nvCxnSpPr>
         <p:spPr>
           <a:xfrm flipV="1">
-            <a:off x="879945" y="3356753"/>
-            <a:ext cx="10154500" cy="11857"/>
+            <a:off x="739825" y="657639"/>
+            <a:ext cx="9690521" cy="3276467"/>
           </a:xfrm>
           <a:prstGeom prst="line">
             <a:avLst/>
           </a:prstGeom>
-          <a:ln w="34925">
-            <a:solidFill>
-              <a:schemeClr val="tx1"/>
-            </a:solidFill>
-            <a:prstDash val="dash"/>
-          </a:ln>
         </p:spPr>
         <p:style>
           <a:lnRef idx="1">

--- a/Seconde/Chapitre8-LentilleEtOeil/Activité-TracéDesRayons/Activité-TraceDesRayons2.pptx
+++ b/Seconde/Chapitre8-LentilleEtOeil/Activité-TracéDesRayons/Activité-TraceDesRayons2.pptx
@@ -267,7 +267,7 @@
           <a:p>
             <a:fld id="{30F47439-A258-4A23-85FD-7826B78FC1E1}" type="datetimeFigureOut">
               <a:rPr lang="fr-FR" smtClean="0"/>
-              <a:t>11/03/2021</a:t>
+              <a:t>18/03/2021</a:t>
             </a:fld>
             <a:endParaRPr lang="fr-FR"/>
           </a:p>
@@ -467,7 +467,7 @@
           <a:p>
             <a:fld id="{30F47439-A258-4A23-85FD-7826B78FC1E1}" type="datetimeFigureOut">
               <a:rPr lang="fr-FR" smtClean="0"/>
-              <a:t>11/03/2021</a:t>
+              <a:t>18/03/2021</a:t>
             </a:fld>
             <a:endParaRPr lang="fr-FR"/>
           </a:p>
@@ -677,7 +677,7 @@
           <a:p>
             <a:fld id="{30F47439-A258-4A23-85FD-7826B78FC1E1}" type="datetimeFigureOut">
               <a:rPr lang="fr-FR" smtClean="0"/>
-              <a:t>11/03/2021</a:t>
+              <a:t>18/03/2021</a:t>
             </a:fld>
             <a:endParaRPr lang="fr-FR"/>
           </a:p>
@@ -877,7 +877,7 @@
           <a:p>
             <a:fld id="{30F47439-A258-4A23-85FD-7826B78FC1E1}" type="datetimeFigureOut">
               <a:rPr lang="fr-FR" smtClean="0"/>
-              <a:t>11/03/2021</a:t>
+              <a:t>18/03/2021</a:t>
             </a:fld>
             <a:endParaRPr lang="fr-FR"/>
           </a:p>
@@ -1153,7 +1153,7 @@
           <a:p>
             <a:fld id="{30F47439-A258-4A23-85FD-7826B78FC1E1}" type="datetimeFigureOut">
               <a:rPr lang="fr-FR" smtClean="0"/>
-              <a:t>11/03/2021</a:t>
+              <a:t>18/03/2021</a:t>
             </a:fld>
             <a:endParaRPr lang="fr-FR"/>
           </a:p>
@@ -1421,7 +1421,7 @@
           <a:p>
             <a:fld id="{30F47439-A258-4A23-85FD-7826B78FC1E1}" type="datetimeFigureOut">
               <a:rPr lang="fr-FR" smtClean="0"/>
-              <a:t>11/03/2021</a:t>
+              <a:t>18/03/2021</a:t>
             </a:fld>
             <a:endParaRPr lang="fr-FR"/>
           </a:p>
@@ -1836,7 +1836,7 @@
           <a:p>
             <a:fld id="{30F47439-A258-4A23-85FD-7826B78FC1E1}" type="datetimeFigureOut">
               <a:rPr lang="fr-FR" smtClean="0"/>
-              <a:t>11/03/2021</a:t>
+              <a:t>18/03/2021</a:t>
             </a:fld>
             <a:endParaRPr lang="fr-FR"/>
           </a:p>
@@ -1978,7 +1978,7 @@
           <a:p>
             <a:fld id="{30F47439-A258-4A23-85FD-7826B78FC1E1}" type="datetimeFigureOut">
               <a:rPr lang="fr-FR" smtClean="0"/>
-              <a:t>11/03/2021</a:t>
+              <a:t>18/03/2021</a:t>
             </a:fld>
             <a:endParaRPr lang="fr-FR"/>
           </a:p>
@@ -2091,7 +2091,7 @@
           <a:p>
             <a:fld id="{30F47439-A258-4A23-85FD-7826B78FC1E1}" type="datetimeFigureOut">
               <a:rPr lang="fr-FR" smtClean="0"/>
-              <a:t>11/03/2021</a:t>
+              <a:t>18/03/2021</a:t>
             </a:fld>
             <a:endParaRPr lang="fr-FR"/>
           </a:p>
@@ -2404,7 +2404,7 @@
           <a:p>
             <a:fld id="{30F47439-A258-4A23-85FD-7826B78FC1E1}" type="datetimeFigureOut">
               <a:rPr lang="fr-FR" smtClean="0"/>
-              <a:t>11/03/2021</a:t>
+              <a:t>18/03/2021</a:t>
             </a:fld>
             <a:endParaRPr lang="fr-FR"/>
           </a:p>
@@ -2693,7 +2693,7 @@
           <a:p>
             <a:fld id="{30F47439-A258-4A23-85FD-7826B78FC1E1}" type="datetimeFigureOut">
               <a:rPr lang="fr-FR" smtClean="0"/>
-              <a:t>11/03/2021</a:t>
+              <a:t>18/03/2021</a:t>
             </a:fld>
             <a:endParaRPr lang="fr-FR"/>
           </a:p>
@@ -2936,7 +2936,7 @@
           <a:p>
             <a:fld id="{30F47439-A258-4A23-85FD-7826B78FC1E1}" type="datetimeFigureOut">
               <a:rPr lang="fr-FR" smtClean="0"/>
-              <a:t>11/03/2021</a:t>
+              <a:t>18/03/2021</a:t>
             </a:fld>
             <a:endParaRPr lang="fr-FR"/>
           </a:p>
